--- a/Data Pipeline for MMA.pptx
+++ b/Data Pipeline for MMA.pptx
@@ -16,21 +16,24 @@
     <p:sldId id="261" r:id="rId11"/>
     <p:sldId id="262" r:id="rId12"/>
     <p:sldId id="263" r:id="rId13"/>
+    <p:sldId id="264" r:id="rId14"/>
+    <p:sldId id="265" r:id="rId15"/>
+    <p:sldId id="266" r:id="rId16"/>
   </p:sldIdLst>
   <p:sldSz cy="5143500" cx="9144000"/>
   <p:notesSz cx="6858000" cy="9144000"/>
   <p:embeddedFontLst>
     <p:embeddedFont>
       <p:font typeface="Nunito"/>
-      <p:regular r:id="rId14"/>
-      <p:bold r:id="rId15"/>
-      <p:italic r:id="rId16"/>
-      <p:boldItalic r:id="rId17"/>
+      <p:regular r:id="rId17"/>
+      <p:bold r:id="rId18"/>
+      <p:italic r:id="rId19"/>
+      <p:boldItalic r:id="rId20"/>
     </p:embeddedFont>
     <p:embeddedFont>
       <p:font typeface="Maven Pro"/>
-      <p:regular r:id="rId18"/>
-      <p:bold r:id="rId19"/>
+      <p:regular r:id="rId21"/>
+      <p:bold r:id="rId22"/>
     </p:embeddedFont>
   </p:embeddedFontLst>
   <p:defaultTextStyle>
@@ -806,12 +809,12 @@
 </p:notes>
 </file>
 
-<file path=ppt/notesSlides/notesSlide2.xml><?xml version="1.0" encoding="utf-8"?>
+<file path=ppt/notesSlides/notesSlide10.xml><?xml version="1.0" encoding="utf-8"?>
 <p:notes xmlns:a="http://schemas.openxmlformats.org/drawingml/2006/main" xmlns:r="http://schemas.openxmlformats.org/officeDocument/2006/relationships" xmlns:mc="http://schemas.openxmlformats.org/markup-compatibility/2006" xmlns:mv="urn:schemas-microsoft-com:mac:vml" xmlns:p="http://schemas.openxmlformats.org/presentationml/2006/main" xmlns:c="http://schemas.openxmlformats.org/drawingml/2006/chart" xmlns:dgm="http://schemas.openxmlformats.org/drawingml/2006/diagram" xmlns:o="urn:schemas-microsoft-com:office:office" xmlns:v="urn:schemas-microsoft-com:vml" xmlns:pvml="urn:schemas-microsoft-com:office:powerpoint" xmlns:com="http://schemas.openxmlformats.org/drawingml/2006/compatibility" xmlns:p14="http://schemas.microsoft.com/office/powerpoint/2010/main" xmlns:p15="http://schemas.microsoft.com/office/powerpoint/2012/main" xmlns:ahyp="http://schemas.microsoft.com/office/drawing/2018/hyperlinkcolor" showMasterPhAnim="0" showMasterSp="0">
   <p:cSld>
     <p:spTree>
       <p:nvGrpSpPr>
-        <p:cNvPr id="279" name="Shape 279"/>
+        <p:cNvPr id="336" name="Shape 336"/>
         <p:cNvGrpSpPr/>
         <p:nvPr/>
       </p:nvGrpSpPr>
@@ -825,7 +828,7 @@
       </p:grpSpPr>
       <p:sp>
         <p:nvSpPr>
-          <p:cNvPr id="280" name="Google Shape;280;ge2737455b2_0_313:notes"/>
+          <p:cNvPr id="337" name="Google Shape;337;ge2737455b2_0_385:notes"/>
           <p:cNvSpPr/>
           <p:nvPr>
             <p:ph idx="2" type="sldImg"/>
@@ -860,7 +863,7 @@
       </p:sp>
       <p:sp>
         <p:nvSpPr>
-          <p:cNvPr id="281" name="Google Shape;281;ge2737455b2_0_313:notes"/>
+          <p:cNvPr id="338" name="Google Shape;338;ge2737455b2_0_385:notes"/>
           <p:cNvSpPr txBox="1"/>
           <p:nvPr>
             <p:ph idx="1" type="body"/>
@@ -905,12 +908,12 @@
 </p:notes>
 </file>
 
-<file path=ppt/notesSlides/notesSlide3.xml><?xml version="1.0" encoding="utf-8"?>
+<file path=ppt/notesSlides/notesSlide11.xml><?xml version="1.0" encoding="utf-8"?>
 <p:notes xmlns:a="http://schemas.openxmlformats.org/drawingml/2006/main" xmlns:r="http://schemas.openxmlformats.org/officeDocument/2006/relationships" xmlns:mc="http://schemas.openxmlformats.org/markup-compatibility/2006" xmlns:mv="urn:schemas-microsoft-com:mac:vml" xmlns:p="http://schemas.openxmlformats.org/presentationml/2006/main" xmlns:c="http://schemas.openxmlformats.org/drawingml/2006/chart" xmlns:dgm="http://schemas.openxmlformats.org/drawingml/2006/diagram" xmlns:o="urn:schemas-microsoft-com:office:office" xmlns:v="urn:schemas-microsoft-com:vml" xmlns:pvml="urn:schemas-microsoft-com:office:powerpoint" xmlns:com="http://schemas.openxmlformats.org/drawingml/2006/compatibility" xmlns:p14="http://schemas.microsoft.com/office/powerpoint/2010/main" xmlns:p15="http://schemas.microsoft.com/office/powerpoint/2012/main" xmlns:ahyp="http://schemas.microsoft.com/office/drawing/2018/hyperlinkcolor" showMasterPhAnim="0" showMasterSp="0">
   <p:cSld>
     <p:spTree>
       <p:nvGrpSpPr>
-        <p:cNvPr id="286" name="Shape 286"/>
+        <p:cNvPr id="342" name="Shape 342"/>
         <p:cNvGrpSpPr/>
         <p:nvPr/>
       </p:nvGrpSpPr>
@@ -924,7 +927,7 @@
       </p:grpSpPr>
       <p:sp>
         <p:nvSpPr>
-          <p:cNvPr id="287" name="Google Shape;287;ge2737455b2_0_319:notes"/>
+          <p:cNvPr id="343" name="Google Shape;343;ge2737455b2_0_376:notes"/>
           <p:cNvSpPr/>
           <p:nvPr>
             <p:ph idx="2" type="sldImg"/>
@@ -959,7 +962,7 @@
       </p:sp>
       <p:sp>
         <p:nvSpPr>
-          <p:cNvPr id="288" name="Google Shape;288;ge2737455b2_0_319:notes"/>
+          <p:cNvPr id="344" name="Google Shape;344;ge2737455b2_0_376:notes"/>
           <p:cNvSpPr txBox="1"/>
           <p:nvPr>
             <p:ph idx="1" type="body"/>
@@ -1004,12 +1007,12 @@
 </p:notes>
 </file>
 
-<file path=ppt/notesSlides/notesSlide4.xml><?xml version="1.0" encoding="utf-8"?>
+<file path=ppt/notesSlides/notesSlide2.xml><?xml version="1.0" encoding="utf-8"?>
 <p:notes xmlns:a="http://schemas.openxmlformats.org/drawingml/2006/main" xmlns:r="http://schemas.openxmlformats.org/officeDocument/2006/relationships" xmlns:mc="http://schemas.openxmlformats.org/markup-compatibility/2006" xmlns:mv="urn:schemas-microsoft-com:mac:vml" xmlns:p="http://schemas.openxmlformats.org/presentationml/2006/main" xmlns:c="http://schemas.openxmlformats.org/drawingml/2006/chart" xmlns:dgm="http://schemas.openxmlformats.org/drawingml/2006/diagram" xmlns:o="urn:schemas-microsoft-com:office:office" xmlns:v="urn:schemas-microsoft-com:vml" xmlns:pvml="urn:schemas-microsoft-com:office:powerpoint" xmlns:com="http://schemas.openxmlformats.org/drawingml/2006/compatibility" xmlns:p14="http://schemas.microsoft.com/office/powerpoint/2010/main" xmlns:p15="http://schemas.microsoft.com/office/powerpoint/2012/main" xmlns:ahyp="http://schemas.microsoft.com/office/drawing/2018/hyperlinkcolor" showMasterPhAnim="0" showMasterSp="0">
   <p:cSld>
     <p:spTree>
       <p:nvGrpSpPr>
-        <p:cNvPr id="293" name="Shape 293"/>
+        <p:cNvPr id="280" name="Shape 280"/>
         <p:cNvGrpSpPr/>
         <p:nvPr/>
       </p:nvGrpSpPr>
@@ -1023,7 +1026,7 @@
       </p:grpSpPr>
       <p:sp>
         <p:nvSpPr>
-          <p:cNvPr id="294" name="Google Shape;294;ge2737455b2_0_325:notes"/>
+          <p:cNvPr id="281" name="Google Shape;281;ge2737455b2_0_364:notes"/>
           <p:cNvSpPr/>
           <p:nvPr>
             <p:ph idx="2" type="sldImg"/>
@@ -1058,7 +1061,7 @@
       </p:sp>
       <p:sp>
         <p:nvSpPr>
-          <p:cNvPr id="295" name="Google Shape;295;ge2737455b2_0_325:notes"/>
+          <p:cNvPr id="282" name="Google Shape;282;ge2737455b2_0_364:notes"/>
           <p:cNvSpPr txBox="1"/>
           <p:nvPr>
             <p:ph idx="1" type="body"/>
@@ -1103,12 +1106,12 @@
 </p:notes>
 </file>
 
-<file path=ppt/notesSlides/notesSlide5.xml><?xml version="1.0" encoding="utf-8"?>
+<file path=ppt/notesSlides/notesSlide3.xml><?xml version="1.0" encoding="utf-8"?>
 <p:notes xmlns:a="http://schemas.openxmlformats.org/drawingml/2006/main" xmlns:r="http://schemas.openxmlformats.org/officeDocument/2006/relationships" xmlns:mc="http://schemas.openxmlformats.org/markup-compatibility/2006" xmlns:mv="urn:schemas-microsoft-com:mac:vml" xmlns:p="http://schemas.openxmlformats.org/presentationml/2006/main" xmlns:c="http://schemas.openxmlformats.org/drawingml/2006/chart" xmlns:dgm="http://schemas.openxmlformats.org/drawingml/2006/diagram" xmlns:o="urn:schemas-microsoft-com:office:office" xmlns:v="urn:schemas-microsoft-com:vml" xmlns:pvml="urn:schemas-microsoft-com:office:powerpoint" xmlns:com="http://schemas.openxmlformats.org/drawingml/2006/compatibility" xmlns:p14="http://schemas.microsoft.com/office/powerpoint/2010/main" xmlns:p15="http://schemas.microsoft.com/office/powerpoint/2012/main" xmlns:ahyp="http://schemas.microsoft.com/office/drawing/2018/hyperlinkcolor" showMasterPhAnim="0" showMasterSp="0">
   <p:cSld>
     <p:spTree>
       <p:nvGrpSpPr>
-        <p:cNvPr id="300" name="Shape 300"/>
+        <p:cNvPr id="288" name="Shape 288"/>
         <p:cNvGrpSpPr/>
         <p:nvPr/>
       </p:nvGrpSpPr>
@@ -1122,7 +1125,7 @@
       </p:grpSpPr>
       <p:sp>
         <p:nvSpPr>
-          <p:cNvPr id="301" name="Google Shape;301;ge2737455b2_0_331:notes"/>
+          <p:cNvPr id="289" name="Google Shape;289;ge2737455b2_0_313:notes"/>
           <p:cNvSpPr/>
           <p:nvPr>
             <p:ph idx="2" type="sldImg"/>
@@ -1157,7 +1160,7 @@
       </p:sp>
       <p:sp>
         <p:nvSpPr>
-          <p:cNvPr id="302" name="Google Shape;302;ge2737455b2_0_331:notes"/>
+          <p:cNvPr id="290" name="Google Shape;290;ge2737455b2_0_313:notes"/>
           <p:cNvSpPr txBox="1"/>
           <p:nvPr>
             <p:ph idx="1" type="body"/>
@@ -1202,12 +1205,12 @@
 </p:notes>
 </file>
 
-<file path=ppt/notesSlides/notesSlide6.xml><?xml version="1.0" encoding="utf-8"?>
+<file path=ppt/notesSlides/notesSlide4.xml><?xml version="1.0" encoding="utf-8"?>
 <p:notes xmlns:a="http://schemas.openxmlformats.org/drawingml/2006/main" xmlns:r="http://schemas.openxmlformats.org/officeDocument/2006/relationships" xmlns:mc="http://schemas.openxmlformats.org/markup-compatibility/2006" xmlns:mv="urn:schemas-microsoft-com:mac:vml" xmlns:p="http://schemas.openxmlformats.org/presentationml/2006/main" xmlns:c="http://schemas.openxmlformats.org/drawingml/2006/chart" xmlns:dgm="http://schemas.openxmlformats.org/drawingml/2006/diagram" xmlns:o="urn:schemas-microsoft-com:office:office" xmlns:v="urn:schemas-microsoft-com:vml" xmlns:pvml="urn:schemas-microsoft-com:office:powerpoint" xmlns:com="http://schemas.openxmlformats.org/drawingml/2006/compatibility" xmlns:p14="http://schemas.microsoft.com/office/powerpoint/2010/main" xmlns:p15="http://schemas.microsoft.com/office/powerpoint/2012/main" xmlns:ahyp="http://schemas.microsoft.com/office/drawing/2018/hyperlinkcolor" showMasterPhAnim="0" showMasterSp="0">
   <p:cSld>
     <p:spTree>
       <p:nvGrpSpPr>
-        <p:cNvPr id="307" name="Shape 307"/>
+        <p:cNvPr id="295" name="Shape 295"/>
         <p:cNvGrpSpPr/>
         <p:nvPr/>
       </p:nvGrpSpPr>
@@ -1221,7 +1224,7 @@
       </p:grpSpPr>
       <p:sp>
         <p:nvSpPr>
-          <p:cNvPr id="308" name="Google Shape;308;ge2737455b2_0_339:notes"/>
+          <p:cNvPr id="296" name="Google Shape;296;ge2737455b2_0_319:notes"/>
           <p:cNvSpPr/>
           <p:nvPr>
             <p:ph idx="2" type="sldImg"/>
@@ -1256,7 +1259,7 @@
       </p:sp>
       <p:sp>
         <p:nvSpPr>
-          <p:cNvPr id="309" name="Google Shape;309;ge2737455b2_0_339:notes"/>
+          <p:cNvPr id="297" name="Google Shape;297;ge2737455b2_0_319:notes"/>
           <p:cNvSpPr txBox="1"/>
           <p:nvPr>
             <p:ph idx="1" type="body"/>
@@ -1301,12 +1304,12 @@
 </p:notes>
 </file>
 
-<file path=ppt/notesSlides/notesSlide7.xml><?xml version="1.0" encoding="utf-8"?>
+<file path=ppt/notesSlides/notesSlide5.xml><?xml version="1.0" encoding="utf-8"?>
 <p:notes xmlns:a="http://schemas.openxmlformats.org/drawingml/2006/main" xmlns:r="http://schemas.openxmlformats.org/officeDocument/2006/relationships" xmlns:mc="http://schemas.openxmlformats.org/markup-compatibility/2006" xmlns:mv="urn:schemas-microsoft-com:mac:vml" xmlns:p="http://schemas.openxmlformats.org/presentationml/2006/main" xmlns:c="http://schemas.openxmlformats.org/drawingml/2006/chart" xmlns:dgm="http://schemas.openxmlformats.org/drawingml/2006/diagram" xmlns:o="urn:schemas-microsoft-com:office:office" xmlns:v="urn:schemas-microsoft-com:vml" xmlns:pvml="urn:schemas-microsoft-com:office:powerpoint" xmlns:com="http://schemas.openxmlformats.org/drawingml/2006/compatibility" xmlns:p14="http://schemas.microsoft.com/office/powerpoint/2010/main" xmlns:p15="http://schemas.microsoft.com/office/powerpoint/2012/main" xmlns:ahyp="http://schemas.microsoft.com/office/drawing/2018/hyperlinkcolor" showMasterPhAnim="0" showMasterSp="0">
   <p:cSld>
     <p:spTree>
       <p:nvGrpSpPr>
-        <p:cNvPr id="313" name="Shape 313"/>
+        <p:cNvPr id="302" name="Shape 302"/>
         <p:cNvGrpSpPr/>
         <p:nvPr/>
       </p:nvGrpSpPr>
@@ -1320,7 +1323,7 @@
       </p:grpSpPr>
       <p:sp>
         <p:nvSpPr>
-          <p:cNvPr id="314" name="Google Shape;314;ge2737455b2_0_344:notes"/>
+          <p:cNvPr id="303" name="Google Shape;303;ge2737455b2_0_325:notes"/>
           <p:cNvSpPr/>
           <p:nvPr>
             <p:ph idx="2" type="sldImg"/>
@@ -1355,7 +1358,7 @@
       </p:sp>
       <p:sp>
         <p:nvSpPr>
-          <p:cNvPr id="315" name="Google Shape;315;ge2737455b2_0_344:notes"/>
+          <p:cNvPr id="304" name="Google Shape;304;ge2737455b2_0_325:notes"/>
           <p:cNvSpPr txBox="1"/>
           <p:nvPr>
             <p:ph idx="1" type="body"/>
@@ -1400,12 +1403,12 @@
 </p:notes>
 </file>
 
-<file path=ppt/notesSlides/notesSlide8.xml><?xml version="1.0" encoding="utf-8"?>
+<file path=ppt/notesSlides/notesSlide6.xml><?xml version="1.0" encoding="utf-8"?>
 <p:notes xmlns:a="http://schemas.openxmlformats.org/drawingml/2006/main" xmlns:r="http://schemas.openxmlformats.org/officeDocument/2006/relationships" xmlns:mc="http://schemas.openxmlformats.org/markup-compatibility/2006" xmlns:mv="urn:schemas-microsoft-com:mac:vml" xmlns:p="http://schemas.openxmlformats.org/presentationml/2006/main" xmlns:c="http://schemas.openxmlformats.org/drawingml/2006/chart" xmlns:dgm="http://schemas.openxmlformats.org/drawingml/2006/diagram" xmlns:o="urn:schemas-microsoft-com:office:office" xmlns:v="urn:schemas-microsoft-com:vml" xmlns:pvml="urn:schemas-microsoft-com:office:powerpoint" xmlns:com="http://schemas.openxmlformats.org/drawingml/2006/compatibility" xmlns:p14="http://schemas.microsoft.com/office/powerpoint/2010/main" xmlns:p15="http://schemas.microsoft.com/office/powerpoint/2012/main" xmlns:ahyp="http://schemas.microsoft.com/office/drawing/2018/hyperlinkcolor" showMasterPhAnim="0" showMasterSp="0">
   <p:cSld>
     <p:spTree>
       <p:nvGrpSpPr>
-        <p:cNvPr id="319" name="Shape 319"/>
+        <p:cNvPr id="309" name="Shape 309"/>
         <p:cNvGrpSpPr/>
         <p:nvPr/>
       </p:nvGrpSpPr>
@@ -1419,7 +1422,7 @@
       </p:grpSpPr>
       <p:sp>
         <p:nvSpPr>
-          <p:cNvPr id="320" name="Google Shape;320;ge2737455b2_0_349:notes"/>
+          <p:cNvPr id="310" name="Google Shape;310;ge2737455b2_0_331:notes"/>
           <p:cNvSpPr/>
           <p:nvPr>
             <p:ph idx="2" type="sldImg"/>
@@ -1454,7 +1457,304 @@
       </p:sp>
       <p:sp>
         <p:nvSpPr>
-          <p:cNvPr id="321" name="Google Shape;321;ge2737455b2_0_349:notes"/>
+          <p:cNvPr id="311" name="Google Shape;311;ge2737455b2_0_331:notes"/>
+          <p:cNvSpPr txBox="1"/>
+          <p:nvPr>
+            <p:ph idx="1" type="body"/>
+          </p:nvPr>
+        </p:nvSpPr>
+        <p:spPr>
+          <a:xfrm>
+            <a:off x="685800" y="4343400"/>
+            <a:ext cx="5486400" cy="4114800"/>
+          </a:xfrm>
+          <a:prstGeom prst="rect">
+            <a:avLst/>
+          </a:prstGeom>
+        </p:spPr>
+        <p:txBody>
+          <a:bodyPr anchorCtr="0" anchor="t" bIns="91425" lIns="91425" spcFirstLastPara="1" rIns="91425" wrap="square" tIns="91425">
+            <a:noAutofit/>
+          </a:bodyPr>
+          <a:lstStyle/>
+          <a:p>
+            <a:pPr indent="0" lvl="0" marL="0" rtl="0" algn="l">
+              <a:spcBef>
+                <a:spcPts val="0"/>
+              </a:spcBef>
+              <a:spcAft>
+                <a:spcPts val="0"/>
+              </a:spcAft>
+              <a:buNone/>
+            </a:pPr>
+            <a:r>
+              <a:t/>
+            </a:r>
+            <a:endParaRPr/>
+          </a:p>
+        </p:txBody>
+      </p:sp>
+    </p:spTree>
+  </p:cSld>
+  <p:clrMapOvr>
+    <a:masterClrMapping/>
+  </p:clrMapOvr>
+</p:notes>
+</file>
+
+<file path=ppt/notesSlides/notesSlide7.xml><?xml version="1.0" encoding="utf-8"?>
+<p:notes xmlns:a="http://schemas.openxmlformats.org/drawingml/2006/main" xmlns:r="http://schemas.openxmlformats.org/officeDocument/2006/relationships" xmlns:mc="http://schemas.openxmlformats.org/markup-compatibility/2006" xmlns:mv="urn:schemas-microsoft-com:mac:vml" xmlns:p="http://schemas.openxmlformats.org/presentationml/2006/main" xmlns:c="http://schemas.openxmlformats.org/drawingml/2006/chart" xmlns:dgm="http://schemas.openxmlformats.org/drawingml/2006/diagram" xmlns:o="urn:schemas-microsoft-com:office:office" xmlns:v="urn:schemas-microsoft-com:vml" xmlns:pvml="urn:schemas-microsoft-com:office:powerpoint" xmlns:com="http://schemas.openxmlformats.org/drawingml/2006/compatibility" xmlns:p14="http://schemas.microsoft.com/office/powerpoint/2010/main" xmlns:p15="http://schemas.microsoft.com/office/powerpoint/2012/main" xmlns:ahyp="http://schemas.microsoft.com/office/drawing/2018/hyperlinkcolor" showMasterPhAnim="0" showMasterSp="0">
+  <p:cSld>
+    <p:spTree>
+      <p:nvGrpSpPr>
+        <p:cNvPr id="316" name="Shape 316"/>
+        <p:cNvGrpSpPr/>
+        <p:nvPr/>
+      </p:nvGrpSpPr>
+      <p:grpSpPr>
+        <a:xfrm>
+          <a:off x="0" y="0"/>
+          <a:ext cx="0" cy="0"/>
+          <a:chOff x="0" y="0"/>
+          <a:chExt cx="0" cy="0"/>
+        </a:xfrm>
+      </p:grpSpPr>
+      <p:sp>
+        <p:nvSpPr>
+          <p:cNvPr id="317" name="Google Shape;317;ge2737455b2_0_344:notes"/>
+          <p:cNvSpPr/>
+          <p:nvPr>
+            <p:ph idx="2" type="sldImg"/>
+          </p:nvPr>
+        </p:nvSpPr>
+        <p:spPr>
+          <a:xfrm>
+            <a:off x="381300" y="685800"/>
+            <a:ext cx="6096000" cy="3429000"/>
+          </a:xfrm>
+          <a:custGeom>
+            <a:rect b="b" l="l" r="r" t="t"/>
+            <a:pathLst>
+              <a:path extrusionOk="0" h="120000" w="120000">
+                <a:moveTo>
+                  <a:pt x="0" y="0"/>
+                </a:moveTo>
+                <a:lnTo>
+                  <a:pt x="120000" y="0"/>
+                </a:lnTo>
+                <a:lnTo>
+                  <a:pt x="120000" y="120000"/>
+                </a:lnTo>
+                <a:lnTo>
+                  <a:pt x="0" y="120000"/>
+                </a:lnTo>
+                <a:close/>
+              </a:path>
+            </a:pathLst>
+          </a:custGeom>
+        </p:spPr>
+      </p:sp>
+      <p:sp>
+        <p:nvSpPr>
+          <p:cNvPr id="318" name="Google Shape;318;ge2737455b2_0_344:notes"/>
+          <p:cNvSpPr txBox="1"/>
+          <p:nvPr>
+            <p:ph idx="1" type="body"/>
+          </p:nvPr>
+        </p:nvSpPr>
+        <p:spPr>
+          <a:xfrm>
+            <a:off x="685800" y="4343400"/>
+            <a:ext cx="5486400" cy="4114800"/>
+          </a:xfrm>
+          <a:prstGeom prst="rect">
+            <a:avLst/>
+          </a:prstGeom>
+        </p:spPr>
+        <p:txBody>
+          <a:bodyPr anchorCtr="0" anchor="t" bIns="91425" lIns="91425" spcFirstLastPara="1" rIns="91425" wrap="square" tIns="91425">
+            <a:noAutofit/>
+          </a:bodyPr>
+          <a:lstStyle/>
+          <a:p>
+            <a:pPr indent="0" lvl="0" marL="0" rtl="0" algn="l">
+              <a:spcBef>
+                <a:spcPts val="0"/>
+              </a:spcBef>
+              <a:spcAft>
+                <a:spcPts val="0"/>
+              </a:spcAft>
+              <a:buNone/>
+            </a:pPr>
+            <a:r>
+              <a:t/>
+            </a:r>
+            <a:endParaRPr/>
+          </a:p>
+        </p:txBody>
+      </p:sp>
+    </p:spTree>
+  </p:cSld>
+  <p:clrMapOvr>
+    <a:masterClrMapping/>
+  </p:clrMapOvr>
+</p:notes>
+</file>
+
+<file path=ppt/notesSlides/notesSlide8.xml><?xml version="1.0" encoding="utf-8"?>
+<p:notes xmlns:a="http://schemas.openxmlformats.org/drawingml/2006/main" xmlns:r="http://schemas.openxmlformats.org/officeDocument/2006/relationships" xmlns:mc="http://schemas.openxmlformats.org/markup-compatibility/2006" xmlns:mv="urn:schemas-microsoft-com:mac:vml" xmlns:p="http://schemas.openxmlformats.org/presentationml/2006/main" xmlns:c="http://schemas.openxmlformats.org/drawingml/2006/chart" xmlns:dgm="http://schemas.openxmlformats.org/drawingml/2006/diagram" xmlns:o="urn:schemas-microsoft-com:office:office" xmlns:v="urn:schemas-microsoft-com:vml" xmlns:pvml="urn:schemas-microsoft-com:office:powerpoint" xmlns:com="http://schemas.openxmlformats.org/drawingml/2006/compatibility" xmlns:p14="http://schemas.microsoft.com/office/powerpoint/2010/main" xmlns:p15="http://schemas.microsoft.com/office/powerpoint/2012/main" xmlns:ahyp="http://schemas.microsoft.com/office/drawing/2018/hyperlinkcolor" showMasterPhAnim="0" showMasterSp="0">
+  <p:cSld>
+    <p:spTree>
+      <p:nvGrpSpPr>
+        <p:cNvPr id="323" name="Shape 323"/>
+        <p:cNvGrpSpPr/>
+        <p:nvPr/>
+      </p:nvGrpSpPr>
+      <p:grpSpPr>
+        <a:xfrm>
+          <a:off x="0" y="0"/>
+          <a:ext cx="0" cy="0"/>
+          <a:chOff x="0" y="0"/>
+          <a:chExt cx="0" cy="0"/>
+        </a:xfrm>
+      </p:grpSpPr>
+      <p:sp>
+        <p:nvSpPr>
+          <p:cNvPr id="324" name="Google Shape;324;ge2737455b2_0_339:notes"/>
+          <p:cNvSpPr/>
+          <p:nvPr>
+            <p:ph idx="2" type="sldImg"/>
+          </p:nvPr>
+        </p:nvSpPr>
+        <p:spPr>
+          <a:xfrm>
+            <a:off x="381300" y="685800"/>
+            <a:ext cx="6096000" cy="3429000"/>
+          </a:xfrm>
+          <a:custGeom>
+            <a:rect b="b" l="l" r="r" t="t"/>
+            <a:pathLst>
+              <a:path extrusionOk="0" h="120000" w="120000">
+                <a:moveTo>
+                  <a:pt x="0" y="0"/>
+                </a:moveTo>
+                <a:lnTo>
+                  <a:pt x="120000" y="0"/>
+                </a:lnTo>
+                <a:lnTo>
+                  <a:pt x="120000" y="120000"/>
+                </a:lnTo>
+                <a:lnTo>
+                  <a:pt x="0" y="120000"/>
+                </a:lnTo>
+                <a:close/>
+              </a:path>
+            </a:pathLst>
+          </a:custGeom>
+        </p:spPr>
+      </p:sp>
+      <p:sp>
+        <p:nvSpPr>
+          <p:cNvPr id="325" name="Google Shape;325;ge2737455b2_0_339:notes"/>
+          <p:cNvSpPr txBox="1"/>
+          <p:nvPr>
+            <p:ph idx="1" type="body"/>
+          </p:nvPr>
+        </p:nvSpPr>
+        <p:spPr>
+          <a:xfrm>
+            <a:off x="685800" y="4343400"/>
+            <a:ext cx="5486400" cy="4114800"/>
+          </a:xfrm>
+          <a:prstGeom prst="rect">
+            <a:avLst/>
+          </a:prstGeom>
+        </p:spPr>
+        <p:txBody>
+          <a:bodyPr anchorCtr="0" anchor="t" bIns="91425" lIns="91425" spcFirstLastPara="1" rIns="91425" wrap="square" tIns="91425">
+            <a:noAutofit/>
+          </a:bodyPr>
+          <a:lstStyle/>
+          <a:p>
+            <a:pPr indent="0" lvl="0" marL="0" rtl="0" algn="l">
+              <a:spcBef>
+                <a:spcPts val="0"/>
+              </a:spcBef>
+              <a:spcAft>
+                <a:spcPts val="0"/>
+              </a:spcAft>
+              <a:buNone/>
+            </a:pPr>
+            <a:r>
+              <a:t/>
+            </a:r>
+            <a:endParaRPr/>
+          </a:p>
+        </p:txBody>
+      </p:sp>
+    </p:spTree>
+  </p:cSld>
+  <p:clrMapOvr>
+    <a:masterClrMapping/>
+  </p:clrMapOvr>
+</p:notes>
+</file>
+
+<file path=ppt/notesSlides/notesSlide9.xml><?xml version="1.0" encoding="utf-8"?>
+<p:notes xmlns:a="http://schemas.openxmlformats.org/drawingml/2006/main" xmlns:r="http://schemas.openxmlformats.org/officeDocument/2006/relationships" xmlns:mc="http://schemas.openxmlformats.org/markup-compatibility/2006" xmlns:mv="urn:schemas-microsoft-com:mac:vml" xmlns:p="http://schemas.openxmlformats.org/presentationml/2006/main" xmlns:c="http://schemas.openxmlformats.org/drawingml/2006/chart" xmlns:dgm="http://schemas.openxmlformats.org/drawingml/2006/diagram" xmlns:o="urn:schemas-microsoft-com:office:office" xmlns:v="urn:schemas-microsoft-com:vml" xmlns:pvml="urn:schemas-microsoft-com:office:powerpoint" xmlns:com="http://schemas.openxmlformats.org/drawingml/2006/compatibility" xmlns:p14="http://schemas.microsoft.com/office/powerpoint/2010/main" xmlns:p15="http://schemas.microsoft.com/office/powerpoint/2012/main" xmlns:ahyp="http://schemas.microsoft.com/office/drawing/2018/hyperlinkcolor" showMasterPhAnim="0" showMasterSp="0">
+  <p:cSld>
+    <p:spTree>
+      <p:nvGrpSpPr>
+        <p:cNvPr id="329" name="Shape 329"/>
+        <p:cNvGrpSpPr/>
+        <p:nvPr/>
+      </p:nvGrpSpPr>
+      <p:grpSpPr>
+        <a:xfrm>
+          <a:off x="0" y="0"/>
+          <a:ext cx="0" cy="0"/>
+          <a:chOff x="0" y="0"/>
+          <a:chExt cx="0" cy="0"/>
+        </a:xfrm>
+      </p:grpSpPr>
+      <p:sp>
+        <p:nvSpPr>
+          <p:cNvPr id="330" name="Google Shape;330;ge2737455b2_0_349:notes"/>
+          <p:cNvSpPr/>
+          <p:nvPr>
+            <p:ph idx="2" type="sldImg"/>
+          </p:nvPr>
+        </p:nvSpPr>
+        <p:spPr>
+          <a:xfrm>
+            <a:off x="381300" y="685800"/>
+            <a:ext cx="6096000" cy="3429000"/>
+          </a:xfrm>
+          <a:custGeom>
+            <a:rect b="b" l="l" r="r" t="t"/>
+            <a:pathLst>
+              <a:path extrusionOk="0" h="120000" w="120000">
+                <a:moveTo>
+                  <a:pt x="0" y="0"/>
+                </a:moveTo>
+                <a:lnTo>
+                  <a:pt x="120000" y="0"/>
+                </a:lnTo>
+                <a:lnTo>
+                  <a:pt x="120000" y="120000"/>
+                </a:lnTo>
+                <a:lnTo>
+                  <a:pt x="0" y="120000"/>
+                </a:lnTo>
+                <a:close/>
+              </a:path>
+            </a:pathLst>
+          </a:custGeom>
+        </p:spPr>
+      </p:sp>
+      <p:sp>
+        <p:nvSpPr>
+          <p:cNvPr id="331" name="Google Shape;331;ge2737455b2_0_349:notes"/>
           <p:cNvSpPr txBox="1"/>
           <p:nvPr>
             <p:ph idx="1" type="body"/>
@@ -15867,6 +16167,34 @@
           </a:p>
         </p:txBody>
       </p:sp>
+      <p:pic>
+        <p:nvPicPr>
+          <p:cNvPr id="279" name="Google Shape;279;p13"/>
+          <p:cNvPicPr preferRelativeResize="0"/>
+          <p:nvPr/>
+        </p:nvPicPr>
+        <p:blipFill>
+          <a:blip r:embed="rId3">
+            <a:alphaModFix/>
+          </a:blip>
+          <a:stretch>
+            <a:fillRect/>
+          </a:stretch>
+        </p:blipFill>
+        <p:spPr>
+          <a:xfrm>
+            <a:off x="824000" y="59650"/>
+            <a:ext cx="3638550" cy="1257300"/>
+          </a:xfrm>
+          <a:prstGeom prst="rect">
+            <a:avLst/>
+          </a:prstGeom>
+          <a:noFill/>
+          <a:ln>
+            <a:noFill/>
+          </a:ln>
+        </p:spPr>
+      </p:pic>
     </p:spTree>
   </p:cSld>
   <p:clrMapOvr>
@@ -15875,12 +16203,12 @@
 </p:sld>
 </file>
 
-<file path=ppt/slides/slide2.xml><?xml version="1.0" encoding="utf-8"?>
+<file path=ppt/slides/slide10.xml><?xml version="1.0" encoding="utf-8"?>
 <p:sld xmlns:a="http://schemas.openxmlformats.org/drawingml/2006/main" xmlns:r="http://schemas.openxmlformats.org/officeDocument/2006/relationships" xmlns:mc="http://schemas.openxmlformats.org/markup-compatibility/2006" xmlns:mv="urn:schemas-microsoft-com:mac:vml" xmlns:p="http://schemas.openxmlformats.org/presentationml/2006/main" xmlns:c="http://schemas.openxmlformats.org/drawingml/2006/chart" xmlns:dgm="http://schemas.openxmlformats.org/drawingml/2006/diagram" xmlns:o="urn:schemas-microsoft-com:office:office" xmlns:v="urn:schemas-microsoft-com:vml" xmlns:pvml="urn:schemas-microsoft-com:office:powerpoint" xmlns:com="http://schemas.openxmlformats.org/drawingml/2006/compatibility" xmlns:p14="http://schemas.microsoft.com/office/powerpoint/2010/main" xmlns:p15="http://schemas.microsoft.com/office/powerpoint/2012/main" xmlns:ahyp="http://schemas.microsoft.com/office/drawing/2018/hyperlinkcolor">
   <p:cSld>
     <p:spTree>
       <p:nvGrpSpPr>
-        <p:cNvPr id="282" name="Shape 282"/>
+        <p:cNvPr id="339" name="Shape 339"/>
         <p:cNvGrpSpPr/>
         <p:nvPr/>
       </p:nvGrpSpPr>
@@ -15894,7 +16222,7 @@
       </p:grpSpPr>
       <p:sp>
         <p:nvSpPr>
-          <p:cNvPr id="283" name="Google Shape;283;p14"/>
+          <p:cNvPr id="340" name="Google Shape;340;p22"/>
           <p:cNvSpPr txBox="1"/>
           <p:nvPr>
             <p:ph type="title"/>
@@ -15926,6 +16254,734 @@
             </a:pPr>
             <a:r>
               <a:rPr lang="en-GB"/>
+              <a:t>Greater predicting power</a:t>
+            </a:r>
+            <a:endParaRPr/>
+          </a:p>
+        </p:txBody>
+      </p:sp>
+      <p:sp>
+        <p:nvSpPr>
+          <p:cNvPr id="341" name="Google Shape;341;p22"/>
+          <p:cNvSpPr txBox="1"/>
+          <p:nvPr>
+            <p:ph idx="1" type="body"/>
+          </p:nvPr>
+        </p:nvSpPr>
+        <p:spPr>
+          <a:xfrm>
+            <a:off x="1303800" y="1990050"/>
+            <a:ext cx="7030500" cy="2541600"/>
+          </a:xfrm>
+          <a:prstGeom prst="rect">
+            <a:avLst/>
+          </a:prstGeom>
+        </p:spPr>
+        <p:txBody>
+          <a:bodyPr anchorCtr="0" anchor="t" bIns="91425" lIns="91425" spcFirstLastPara="1" rIns="91425" wrap="square" tIns="91425">
+            <a:normAutofit/>
+          </a:bodyPr>
+          <a:lstStyle/>
+          <a:p>
+            <a:pPr indent="0" lvl="0" marL="457200" rtl="0" algn="l">
+              <a:spcBef>
+                <a:spcPts val="0"/>
+              </a:spcBef>
+              <a:spcAft>
+                <a:spcPts val="0"/>
+              </a:spcAft>
+              <a:buNone/>
+            </a:pPr>
+            <a:r>
+              <a:rPr lang="en-GB"/>
+              <a:t>Use:</a:t>
+            </a:r>
+            <a:endParaRPr/>
+          </a:p>
+          <a:p>
+            <a:pPr indent="-311150" lvl="0" marL="457200" rtl="0" algn="l">
+              <a:spcBef>
+                <a:spcPts val="1200"/>
+              </a:spcBef>
+              <a:spcAft>
+                <a:spcPts val="0"/>
+              </a:spcAft>
+              <a:buSzPts val="1300"/>
+              <a:buChar char="●"/>
+            </a:pPr>
+            <a:r>
+              <a:rPr lang="en-GB"/>
+              <a:t>Boxing data</a:t>
+            </a:r>
+            <a:endParaRPr/>
+          </a:p>
+          <a:p>
+            <a:pPr indent="-311150" lvl="0" marL="457200" rtl="0" algn="l">
+              <a:spcBef>
+                <a:spcPts val="0"/>
+              </a:spcBef>
+              <a:spcAft>
+                <a:spcPts val="0"/>
+              </a:spcAft>
+              <a:buSzPts val="1300"/>
+              <a:buChar char="●"/>
+            </a:pPr>
+            <a:r>
+              <a:rPr lang="en-GB"/>
+              <a:t>Kickboxing</a:t>
+            </a:r>
+            <a:endParaRPr/>
+          </a:p>
+          <a:p>
+            <a:pPr indent="-311150" lvl="0" marL="457200" rtl="0" algn="l">
+              <a:spcBef>
+                <a:spcPts val="0"/>
+              </a:spcBef>
+              <a:spcAft>
+                <a:spcPts val="0"/>
+              </a:spcAft>
+              <a:buSzPts val="1300"/>
+              <a:buChar char="●"/>
+            </a:pPr>
+            <a:r>
+              <a:rPr lang="en-GB"/>
+              <a:t>Judo</a:t>
+            </a:r>
+            <a:endParaRPr/>
+          </a:p>
+          <a:p>
+            <a:pPr indent="-311150" lvl="0" marL="457200" rtl="0" algn="l">
+              <a:spcBef>
+                <a:spcPts val="0"/>
+              </a:spcBef>
+              <a:spcAft>
+                <a:spcPts val="0"/>
+              </a:spcAft>
+              <a:buSzPts val="1300"/>
+              <a:buChar char="●"/>
+            </a:pPr>
+            <a:r>
+              <a:rPr lang="en-GB"/>
+              <a:t>BJJ</a:t>
+            </a:r>
+            <a:endParaRPr/>
+          </a:p>
+          <a:p>
+            <a:pPr indent="0" lvl="0" marL="0" rtl="0" algn="l">
+              <a:spcBef>
+                <a:spcPts val="1200"/>
+              </a:spcBef>
+              <a:spcAft>
+                <a:spcPts val="1200"/>
+              </a:spcAft>
+              <a:buNone/>
+            </a:pPr>
+            <a:r>
+              <a:t/>
+            </a:r>
+            <a:endParaRPr/>
+          </a:p>
+        </p:txBody>
+      </p:sp>
+    </p:spTree>
+  </p:cSld>
+  <p:clrMapOvr>
+    <a:masterClrMapping/>
+  </p:clrMapOvr>
+</p:sld>
+</file>
+
+<file path=ppt/slides/slide11.xml><?xml version="1.0" encoding="utf-8"?>
+<p:sld xmlns:a="http://schemas.openxmlformats.org/drawingml/2006/main" xmlns:r="http://schemas.openxmlformats.org/officeDocument/2006/relationships" xmlns:mc="http://schemas.openxmlformats.org/markup-compatibility/2006" xmlns:mv="urn:schemas-microsoft-com:mac:vml" xmlns:p="http://schemas.openxmlformats.org/presentationml/2006/main" xmlns:c="http://schemas.openxmlformats.org/drawingml/2006/chart" xmlns:dgm="http://schemas.openxmlformats.org/drawingml/2006/diagram" xmlns:o="urn:schemas-microsoft-com:office:office" xmlns:v="urn:schemas-microsoft-com:vml" xmlns:pvml="urn:schemas-microsoft-com:office:powerpoint" xmlns:com="http://schemas.openxmlformats.org/drawingml/2006/compatibility" xmlns:p14="http://schemas.microsoft.com/office/powerpoint/2010/main" xmlns:p15="http://schemas.microsoft.com/office/powerpoint/2012/main" xmlns:ahyp="http://schemas.microsoft.com/office/drawing/2018/hyperlinkcolor">
+  <p:cSld>
+    <p:spTree>
+      <p:nvGrpSpPr>
+        <p:cNvPr id="345" name="Shape 345"/>
+        <p:cNvGrpSpPr/>
+        <p:nvPr/>
+      </p:nvGrpSpPr>
+      <p:grpSpPr>
+        <a:xfrm>
+          <a:off x="0" y="0"/>
+          <a:ext cx="0" cy="0"/>
+          <a:chOff x="0" y="0"/>
+          <a:chExt cx="0" cy="0"/>
+        </a:xfrm>
+      </p:grpSpPr>
+      <p:sp>
+        <p:nvSpPr>
+          <p:cNvPr id="346" name="Google Shape;346;p23"/>
+          <p:cNvSpPr txBox="1"/>
+          <p:nvPr>
+            <p:ph type="title"/>
+          </p:nvPr>
+        </p:nvSpPr>
+        <p:spPr>
+          <a:xfrm>
+            <a:off x="1303800" y="598575"/>
+            <a:ext cx="7030500" cy="999300"/>
+          </a:xfrm>
+          <a:prstGeom prst="rect">
+            <a:avLst/>
+          </a:prstGeom>
+        </p:spPr>
+        <p:txBody>
+          <a:bodyPr anchorCtr="0" anchor="t" bIns="91425" lIns="91425" spcFirstLastPara="1" rIns="91425" wrap="square" tIns="91425">
+            <a:normAutofit/>
+          </a:bodyPr>
+          <a:lstStyle/>
+          <a:p>
+            <a:pPr indent="0" lvl="0" marL="0" rtl="0" algn="l">
+              <a:spcBef>
+                <a:spcPts val="0"/>
+              </a:spcBef>
+              <a:spcAft>
+                <a:spcPts val="0"/>
+              </a:spcAft>
+              <a:buNone/>
+            </a:pPr>
+            <a:r>
+              <a:rPr lang="en-GB"/>
+              <a:t>Questions?</a:t>
+            </a:r>
+            <a:endParaRPr/>
+          </a:p>
+        </p:txBody>
+      </p:sp>
+      <p:sp>
+        <p:nvSpPr>
+          <p:cNvPr id="347" name="Google Shape;347;p23"/>
+          <p:cNvSpPr txBox="1"/>
+          <p:nvPr>
+            <p:ph idx="1" type="body"/>
+          </p:nvPr>
+        </p:nvSpPr>
+        <p:spPr>
+          <a:xfrm>
+            <a:off x="1303800" y="1990050"/>
+            <a:ext cx="7030500" cy="2541600"/>
+          </a:xfrm>
+          <a:prstGeom prst="rect">
+            <a:avLst/>
+          </a:prstGeom>
+        </p:spPr>
+        <p:txBody>
+          <a:bodyPr anchorCtr="0" anchor="t" bIns="91425" lIns="91425" spcFirstLastPara="1" rIns="91425" wrap="square" tIns="91425">
+            <a:normAutofit/>
+          </a:bodyPr>
+          <a:lstStyle/>
+          <a:p>
+            <a:pPr indent="0" lvl="0" marL="0" rtl="0" algn="l">
+              <a:spcBef>
+                <a:spcPts val="0"/>
+              </a:spcBef>
+              <a:spcAft>
+                <a:spcPts val="1200"/>
+              </a:spcAft>
+              <a:buNone/>
+            </a:pPr>
+            <a:r>
+              <a:rPr lang="en-GB"/>
+              <a:t>Please ask!</a:t>
+            </a:r>
+            <a:endParaRPr/>
+          </a:p>
+        </p:txBody>
+      </p:sp>
+    </p:spTree>
+  </p:cSld>
+  <p:clrMapOvr>
+    <a:masterClrMapping/>
+  </p:clrMapOvr>
+</p:sld>
+</file>
+
+<file path=ppt/slides/slide2.xml><?xml version="1.0" encoding="utf-8"?>
+<p:sld xmlns:a="http://schemas.openxmlformats.org/drawingml/2006/main" xmlns:r="http://schemas.openxmlformats.org/officeDocument/2006/relationships" xmlns:mc="http://schemas.openxmlformats.org/markup-compatibility/2006" xmlns:mv="urn:schemas-microsoft-com:mac:vml" xmlns:p="http://schemas.openxmlformats.org/presentationml/2006/main" xmlns:c="http://schemas.openxmlformats.org/drawingml/2006/chart" xmlns:dgm="http://schemas.openxmlformats.org/drawingml/2006/diagram" xmlns:o="urn:schemas-microsoft-com:office:office" xmlns:v="urn:schemas-microsoft-com:vml" xmlns:pvml="urn:schemas-microsoft-com:office:powerpoint" xmlns:com="http://schemas.openxmlformats.org/drawingml/2006/compatibility" xmlns:p14="http://schemas.microsoft.com/office/powerpoint/2010/main" xmlns:p15="http://schemas.microsoft.com/office/powerpoint/2012/main" xmlns:ahyp="http://schemas.microsoft.com/office/drawing/2018/hyperlinkcolor">
+  <p:cSld>
+    <p:spTree>
+      <p:nvGrpSpPr>
+        <p:cNvPr id="283" name="Shape 283"/>
+        <p:cNvGrpSpPr/>
+        <p:nvPr/>
+      </p:nvGrpSpPr>
+      <p:grpSpPr>
+        <a:xfrm>
+          <a:off x="0" y="0"/>
+          <a:ext cx="0" cy="0"/>
+          <a:chOff x="0" y="0"/>
+          <a:chExt cx="0" cy="0"/>
+        </a:xfrm>
+      </p:grpSpPr>
+      <p:sp>
+        <p:nvSpPr>
+          <p:cNvPr id="284" name="Google Shape;284;p14"/>
+          <p:cNvSpPr txBox="1"/>
+          <p:nvPr>
+            <p:ph type="title"/>
+          </p:nvPr>
+        </p:nvSpPr>
+        <p:spPr>
+          <a:xfrm>
+            <a:off x="1303800" y="598575"/>
+            <a:ext cx="7030500" cy="999300"/>
+          </a:xfrm>
+          <a:prstGeom prst="rect">
+            <a:avLst/>
+          </a:prstGeom>
+        </p:spPr>
+        <p:txBody>
+          <a:bodyPr anchorCtr="0" anchor="t" bIns="91425" lIns="91425" spcFirstLastPara="1" rIns="91425" wrap="square" tIns="91425">
+            <a:normAutofit/>
+          </a:bodyPr>
+          <a:lstStyle/>
+          <a:p>
+            <a:pPr indent="0" lvl="0" marL="0" rtl="0" algn="l">
+              <a:spcBef>
+                <a:spcPts val="0"/>
+              </a:spcBef>
+              <a:spcAft>
+                <a:spcPts val="0"/>
+              </a:spcAft>
+              <a:buNone/>
+            </a:pPr>
+            <a:r>
+              <a:rPr lang="en-GB"/>
+              <a:t>Motivation:</a:t>
+            </a:r>
+            <a:endParaRPr/>
+          </a:p>
+        </p:txBody>
+      </p:sp>
+      <p:sp>
+        <p:nvSpPr>
+          <p:cNvPr id="285" name="Google Shape;285;p14"/>
+          <p:cNvSpPr txBox="1"/>
+          <p:nvPr>
+            <p:ph idx="1" type="body"/>
+          </p:nvPr>
+        </p:nvSpPr>
+        <p:spPr>
+          <a:xfrm>
+            <a:off x="875175" y="1436725"/>
+            <a:ext cx="7030500" cy="2541600"/>
+          </a:xfrm>
+          <a:prstGeom prst="rect">
+            <a:avLst/>
+          </a:prstGeom>
+        </p:spPr>
+        <p:txBody>
+          <a:bodyPr anchorCtr="0" anchor="t" bIns="91425" lIns="91425" spcFirstLastPara="1" rIns="91425" wrap="square" tIns="91425">
+            <a:normAutofit/>
+          </a:bodyPr>
+          <a:lstStyle/>
+          <a:p>
+            <a:pPr indent="0" lvl="0" marL="0" rtl="0" algn="l">
+              <a:spcBef>
+                <a:spcPts val="0"/>
+              </a:spcBef>
+              <a:spcAft>
+                <a:spcPts val="0"/>
+              </a:spcAft>
+              <a:buNone/>
+            </a:pPr>
+            <a:r>
+              <a:t/>
+            </a:r>
+            <a:endParaRPr sz="1200">
+              <a:solidFill>
+                <a:srgbClr val="24292E"/>
+              </a:solidFill>
+              <a:highlight>
+                <a:srgbClr val="FFFFFF"/>
+              </a:highlight>
+              <a:latin typeface="Arial"/>
+              <a:ea typeface="Arial"/>
+              <a:cs typeface="Arial"/>
+              <a:sym typeface="Arial"/>
+            </a:endParaRPr>
+          </a:p>
+          <a:p>
+            <a:pPr indent="-304800" lvl="0" marL="457200" rtl="0" algn="l">
+              <a:spcBef>
+                <a:spcPts val="1200"/>
+              </a:spcBef>
+              <a:spcAft>
+                <a:spcPts val="0"/>
+              </a:spcAft>
+              <a:buClr>
+                <a:srgbClr val="24292E"/>
+              </a:buClr>
+              <a:buSzPts val="1200"/>
+              <a:buFont typeface="Arial"/>
+              <a:buChar char="●"/>
+            </a:pPr>
+            <a:r>
+              <a:rPr lang="en-GB" sz="1200">
+                <a:solidFill>
+                  <a:srgbClr val="24292E"/>
+                </a:solidFill>
+                <a:highlight>
+                  <a:srgbClr val="FFFFFF"/>
+                </a:highlight>
+                <a:latin typeface="Arial"/>
+                <a:ea typeface="Arial"/>
+                <a:cs typeface="Arial"/>
+                <a:sym typeface="Arial"/>
+              </a:rPr>
+              <a:t>I train in MMA. I lose. I want to win. Use all of my skills and attributes.</a:t>
+            </a:r>
+            <a:endParaRPr sz="1200">
+              <a:solidFill>
+                <a:srgbClr val="24292E"/>
+              </a:solidFill>
+              <a:highlight>
+                <a:srgbClr val="FFFFFF"/>
+              </a:highlight>
+              <a:latin typeface="Arial"/>
+              <a:ea typeface="Arial"/>
+              <a:cs typeface="Arial"/>
+              <a:sym typeface="Arial"/>
+            </a:endParaRPr>
+          </a:p>
+          <a:p>
+            <a:pPr indent="-304800" lvl="0" marL="457200" rtl="0" algn="l">
+              <a:spcBef>
+                <a:spcPts val="0"/>
+              </a:spcBef>
+              <a:spcAft>
+                <a:spcPts val="0"/>
+              </a:spcAft>
+              <a:buClr>
+                <a:srgbClr val="24292E"/>
+              </a:buClr>
+              <a:buSzPts val="1200"/>
+              <a:buFont typeface="Arial"/>
+              <a:buChar char="●"/>
+            </a:pPr>
+            <a:r>
+              <a:rPr lang="en-GB" sz="1200">
+                <a:solidFill>
+                  <a:srgbClr val="24292E"/>
+                </a:solidFill>
+                <a:highlight>
+                  <a:srgbClr val="FFFFFF"/>
+                </a:highlight>
+                <a:latin typeface="Arial"/>
+                <a:ea typeface="Arial"/>
+                <a:cs typeface="Arial"/>
+                <a:sym typeface="Arial"/>
+              </a:rPr>
+              <a:t>Max Holloway Featherweight champion doesn’t spar but plays UFC.</a:t>
+            </a:r>
+            <a:endParaRPr sz="1200">
+              <a:solidFill>
+                <a:srgbClr val="24292E"/>
+              </a:solidFill>
+              <a:highlight>
+                <a:srgbClr val="FFFFFF"/>
+              </a:highlight>
+              <a:latin typeface="Arial"/>
+              <a:ea typeface="Arial"/>
+              <a:cs typeface="Arial"/>
+              <a:sym typeface="Arial"/>
+            </a:endParaRPr>
+          </a:p>
+          <a:p>
+            <a:pPr indent="-304800" lvl="0" marL="457200" rtl="0" algn="l">
+              <a:spcBef>
+                <a:spcPts val="0"/>
+              </a:spcBef>
+              <a:spcAft>
+                <a:spcPts val="0"/>
+              </a:spcAft>
+              <a:buClr>
+                <a:srgbClr val="24292E"/>
+              </a:buClr>
+              <a:buSzPts val="1200"/>
+              <a:buFont typeface="Arial"/>
+              <a:buChar char="●"/>
+            </a:pPr>
+            <a:r>
+              <a:rPr lang="en-GB" sz="1200">
+                <a:solidFill>
+                  <a:srgbClr val="24292E"/>
+                </a:solidFill>
+                <a:highlight>
+                  <a:srgbClr val="FFFFFF"/>
+                </a:highlight>
+                <a:latin typeface="Arial"/>
+                <a:ea typeface="Arial"/>
+                <a:cs typeface="Arial"/>
+                <a:sym typeface="Arial"/>
+              </a:rPr>
+              <a:t>The aim of this project is to scrape the data found on UFC's stat website, clean it and store on an AWS's RDS. </a:t>
+            </a:r>
+            <a:endParaRPr sz="1200">
+              <a:solidFill>
+                <a:srgbClr val="24292E"/>
+              </a:solidFill>
+              <a:highlight>
+                <a:srgbClr val="FFFFFF"/>
+              </a:highlight>
+              <a:latin typeface="Arial"/>
+              <a:ea typeface="Arial"/>
+              <a:cs typeface="Arial"/>
+              <a:sym typeface="Arial"/>
+            </a:endParaRPr>
+          </a:p>
+          <a:p>
+            <a:pPr indent="-304800" lvl="0" marL="457200" rtl="0" algn="l">
+              <a:spcBef>
+                <a:spcPts val="0"/>
+              </a:spcBef>
+              <a:spcAft>
+                <a:spcPts val="0"/>
+              </a:spcAft>
+              <a:buClr>
+                <a:srgbClr val="24292E"/>
+              </a:buClr>
+              <a:buSzPts val="1200"/>
+              <a:buFont typeface="Arial"/>
+              <a:buChar char="●"/>
+            </a:pPr>
+            <a:r>
+              <a:rPr lang="en-GB" sz="1200">
+                <a:solidFill>
+                  <a:srgbClr val="24292E"/>
+                </a:solidFill>
+                <a:highlight>
+                  <a:srgbClr val="FFFFFF"/>
+                </a:highlight>
+                <a:latin typeface="Arial"/>
+                <a:ea typeface="Arial"/>
+                <a:cs typeface="Arial"/>
+                <a:sym typeface="Arial"/>
+              </a:rPr>
+              <a:t>Which will later be used in making a model to come up with the most efficient way of fighting depending on your </a:t>
+            </a:r>
+            <a:r>
+              <a:rPr lang="en-GB" sz="1200">
+                <a:solidFill>
+                  <a:srgbClr val="24292E"/>
+                </a:solidFill>
+                <a:highlight>
+                  <a:srgbClr val="FFFFFF"/>
+                </a:highlight>
+                <a:latin typeface="Arial"/>
+                <a:ea typeface="Arial"/>
+                <a:cs typeface="Arial"/>
+                <a:sym typeface="Arial"/>
+              </a:rPr>
+              <a:t>opponent's</a:t>
+            </a:r>
+            <a:r>
+              <a:rPr lang="en-GB" sz="1200">
+                <a:solidFill>
+                  <a:srgbClr val="24292E"/>
+                </a:solidFill>
+                <a:highlight>
+                  <a:srgbClr val="FFFFFF"/>
+                </a:highlight>
+                <a:latin typeface="Arial"/>
+                <a:ea typeface="Arial"/>
+                <a:cs typeface="Arial"/>
+                <a:sym typeface="Arial"/>
+              </a:rPr>
+              <a:t> style. </a:t>
+            </a:r>
+            <a:endParaRPr sz="1200">
+              <a:solidFill>
+                <a:srgbClr val="24292E"/>
+              </a:solidFill>
+              <a:highlight>
+                <a:srgbClr val="FFFFFF"/>
+              </a:highlight>
+              <a:latin typeface="Arial"/>
+              <a:ea typeface="Arial"/>
+              <a:cs typeface="Arial"/>
+              <a:sym typeface="Arial"/>
+            </a:endParaRPr>
+          </a:p>
+          <a:p>
+            <a:pPr indent="-304800" lvl="0" marL="457200" rtl="0" algn="l">
+              <a:spcBef>
+                <a:spcPts val="0"/>
+              </a:spcBef>
+              <a:spcAft>
+                <a:spcPts val="0"/>
+              </a:spcAft>
+              <a:buClr>
+                <a:srgbClr val="24292E"/>
+              </a:buClr>
+              <a:buSzPts val="1200"/>
+              <a:buFont typeface="Arial"/>
+              <a:buChar char="●"/>
+            </a:pPr>
+            <a:r>
+              <a:rPr lang="en-GB" sz="1200">
+                <a:solidFill>
+                  <a:srgbClr val="24292E"/>
+                </a:solidFill>
+                <a:highlight>
+                  <a:srgbClr val="FFFFFF"/>
+                </a:highlight>
+                <a:latin typeface="Arial"/>
+                <a:ea typeface="Arial"/>
+                <a:cs typeface="Arial"/>
+                <a:sym typeface="Arial"/>
+              </a:rPr>
+              <a:t>Allow us to visualise the </a:t>
+            </a:r>
+            <a:r>
+              <a:rPr lang="en-GB" sz="1200">
+                <a:solidFill>
+                  <a:srgbClr val="24292E"/>
+                </a:solidFill>
+                <a:highlight>
+                  <a:srgbClr val="FFFFFF"/>
+                </a:highlight>
+                <a:latin typeface="Arial"/>
+                <a:ea typeface="Arial"/>
+                <a:cs typeface="Arial"/>
+                <a:sym typeface="Arial"/>
+              </a:rPr>
+              <a:t>development</a:t>
+            </a:r>
+            <a:r>
+              <a:rPr lang="en-GB" sz="1200">
+                <a:solidFill>
+                  <a:srgbClr val="24292E"/>
+                </a:solidFill>
+                <a:highlight>
+                  <a:srgbClr val="FFFFFF"/>
+                </a:highlight>
+                <a:latin typeface="Arial"/>
+                <a:ea typeface="Arial"/>
+                <a:cs typeface="Arial"/>
+                <a:sym typeface="Arial"/>
+              </a:rPr>
+              <a:t> in technique for MMA over the years.</a:t>
+            </a:r>
+            <a:endParaRPr/>
+          </a:p>
+        </p:txBody>
+      </p:sp>
+      <p:pic>
+        <p:nvPicPr>
+          <p:cNvPr id="286" name="Google Shape;286;p14"/>
+          <p:cNvPicPr preferRelativeResize="0"/>
+          <p:nvPr/>
+        </p:nvPicPr>
+        <p:blipFill>
+          <a:blip r:embed="rId3">
+            <a:alphaModFix/>
+          </a:blip>
+          <a:stretch>
+            <a:fillRect/>
+          </a:stretch>
+        </p:blipFill>
+        <p:spPr>
+          <a:xfrm>
+            <a:off x="7411324" y="0"/>
+            <a:ext cx="1583324" cy="2111073"/>
+          </a:xfrm>
+          <a:prstGeom prst="rect">
+            <a:avLst/>
+          </a:prstGeom>
+          <a:noFill/>
+          <a:ln>
+            <a:noFill/>
+          </a:ln>
+        </p:spPr>
+      </p:pic>
+      <p:pic>
+        <p:nvPicPr>
+          <p:cNvPr id="287" name="Google Shape;287;p14"/>
+          <p:cNvPicPr preferRelativeResize="0"/>
+          <p:nvPr/>
+        </p:nvPicPr>
+        <p:blipFill>
+          <a:blip r:embed="rId4">
+            <a:alphaModFix/>
+          </a:blip>
+          <a:stretch>
+            <a:fillRect/>
+          </a:stretch>
+        </p:blipFill>
+        <p:spPr>
+          <a:xfrm>
+            <a:off x="62350" y="3374475"/>
+            <a:ext cx="3027400" cy="1713625"/>
+          </a:xfrm>
+          <a:prstGeom prst="rect">
+            <a:avLst/>
+          </a:prstGeom>
+          <a:noFill/>
+          <a:ln>
+            <a:noFill/>
+          </a:ln>
+        </p:spPr>
+      </p:pic>
+    </p:spTree>
+  </p:cSld>
+  <p:clrMapOvr>
+    <a:masterClrMapping/>
+  </p:clrMapOvr>
+</p:sld>
+</file>
+
+<file path=ppt/slides/slide3.xml><?xml version="1.0" encoding="utf-8"?>
+<p:sld xmlns:a="http://schemas.openxmlformats.org/drawingml/2006/main" xmlns:r="http://schemas.openxmlformats.org/officeDocument/2006/relationships" xmlns:mc="http://schemas.openxmlformats.org/markup-compatibility/2006" xmlns:mv="urn:schemas-microsoft-com:mac:vml" xmlns:p="http://schemas.openxmlformats.org/presentationml/2006/main" xmlns:c="http://schemas.openxmlformats.org/drawingml/2006/chart" xmlns:dgm="http://schemas.openxmlformats.org/drawingml/2006/diagram" xmlns:o="urn:schemas-microsoft-com:office:office" xmlns:v="urn:schemas-microsoft-com:vml" xmlns:pvml="urn:schemas-microsoft-com:office:powerpoint" xmlns:com="http://schemas.openxmlformats.org/drawingml/2006/compatibility" xmlns:p14="http://schemas.microsoft.com/office/powerpoint/2010/main" xmlns:p15="http://schemas.microsoft.com/office/powerpoint/2012/main" xmlns:ahyp="http://schemas.microsoft.com/office/drawing/2018/hyperlinkcolor">
+  <p:cSld>
+    <p:spTree>
+      <p:nvGrpSpPr>
+        <p:cNvPr id="291" name="Shape 291"/>
+        <p:cNvGrpSpPr/>
+        <p:nvPr/>
+      </p:nvGrpSpPr>
+      <p:grpSpPr>
+        <a:xfrm>
+          <a:off x="0" y="0"/>
+          <a:ext cx="0" cy="0"/>
+          <a:chOff x="0" y="0"/>
+          <a:chExt cx="0" cy="0"/>
+        </a:xfrm>
+      </p:grpSpPr>
+      <p:sp>
+        <p:nvSpPr>
+          <p:cNvPr id="292" name="Google Shape;292;p15"/>
+          <p:cNvSpPr txBox="1"/>
+          <p:nvPr>
+            <p:ph type="title"/>
+          </p:nvPr>
+        </p:nvSpPr>
+        <p:spPr>
+          <a:xfrm>
+            <a:off x="1303800" y="598575"/>
+            <a:ext cx="7030500" cy="999300"/>
+          </a:xfrm>
+          <a:prstGeom prst="rect">
+            <a:avLst/>
+          </a:prstGeom>
+        </p:spPr>
+        <p:txBody>
+          <a:bodyPr anchorCtr="0" anchor="t" bIns="91425" lIns="91425" spcFirstLastPara="1" rIns="91425" wrap="square" tIns="91425">
+            <a:normAutofit/>
+          </a:bodyPr>
+          <a:lstStyle/>
+          <a:p>
+            <a:pPr indent="0" lvl="0" marL="0" rtl="0" algn="l">
+              <a:spcBef>
+                <a:spcPts val="0"/>
+              </a:spcBef>
+              <a:spcAft>
+                <a:spcPts val="0"/>
+              </a:spcAft>
+              <a:buNone/>
+            </a:pPr>
+            <a:r>
+              <a:rPr lang="en-GB"/>
               <a:t>Where I got my data from?</a:t>
             </a:r>
             <a:endParaRPr/>
@@ -15934,7 +16990,7 @@
       </p:sp>
       <p:sp>
         <p:nvSpPr>
-          <p:cNvPr id="284" name="Google Shape;284;p14"/>
+          <p:cNvPr id="293" name="Google Shape;293;p15"/>
           <p:cNvSpPr txBox="1"/>
           <p:nvPr>
             <p:ph idx="1" type="body"/>
@@ -16025,7 +17081,7 @@
       </p:sp>
       <p:pic>
         <p:nvPicPr>
-          <p:cNvPr id="285" name="Google Shape;285;p14"/>
+          <p:cNvPr id="294" name="Google Shape;294;p15"/>
           <p:cNvPicPr preferRelativeResize="0"/>
           <p:nvPr/>
         </p:nvPicPr>
@@ -16059,12 +17115,12 @@
 </p:sld>
 </file>
 
-<file path=ppt/slides/slide3.xml><?xml version="1.0" encoding="utf-8"?>
+<file path=ppt/slides/slide4.xml><?xml version="1.0" encoding="utf-8"?>
 <p:sld xmlns:a="http://schemas.openxmlformats.org/drawingml/2006/main" xmlns:r="http://schemas.openxmlformats.org/officeDocument/2006/relationships" xmlns:mc="http://schemas.openxmlformats.org/markup-compatibility/2006" xmlns:mv="urn:schemas-microsoft-com:mac:vml" xmlns:p="http://schemas.openxmlformats.org/presentationml/2006/main" xmlns:c="http://schemas.openxmlformats.org/drawingml/2006/chart" xmlns:dgm="http://schemas.openxmlformats.org/drawingml/2006/diagram" xmlns:o="urn:schemas-microsoft-com:office:office" xmlns:v="urn:schemas-microsoft-com:vml" xmlns:pvml="urn:schemas-microsoft-com:office:powerpoint" xmlns:com="http://schemas.openxmlformats.org/drawingml/2006/compatibility" xmlns:p14="http://schemas.microsoft.com/office/powerpoint/2010/main" xmlns:p15="http://schemas.microsoft.com/office/powerpoint/2012/main" xmlns:ahyp="http://schemas.microsoft.com/office/drawing/2018/hyperlinkcolor">
   <p:cSld>
     <p:spTree>
       <p:nvGrpSpPr>
-        <p:cNvPr id="289" name="Shape 289"/>
+        <p:cNvPr id="298" name="Shape 298"/>
         <p:cNvGrpSpPr/>
         <p:nvPr/>
       </p:nvGrpSpPr>
@@ -16078,7 +17134,7 @@
       </p:grpSpPr>
       <p:sp>
         <p:nvSpPr>
-          <p:cNvPr id="290" name="Google Shape;290;p15"/>
+          <p:cNvPr id="299" name="Google Shape;299;p16"/>
           <p:cNvSpPr txBox="1"/>
           <p:nvPr>
             <p:ph type="title"/>
@@ -16134,7 +17190,7 @@
       </p:sp>
       <p:sp>
         <p:nvSpPr>
-          <p:cNvPr id="291" name="Google Shape;291;p15"/>
+          <p:cNvPr id="300" name="Google Shape;300;p16"/>
           <p:cNvSpPr txBox="1"/>
           <p:nvPr>
             <p:ph idx="1" type="body"/>
@@ -16160,7 +17216,7 @@
                 <a:spcPts val="0"/>
               </a:spcBef>
               <a:spcAft>
-                <a:spcPts val="1200"/>
+                <a:spcPts val="0"/>
               </a:spcAft>
               <a:buNone/>
             </a:pPr>
@@ -16170,11 +17226,47 @@
             </a:r>
             <a:endParaRPr/>
           </a:p>
+          <a:p>
+            <a:pPr indent="0" lvl="0" marL="0" rtl="0" algn="l">
+              <a:spcBef>
+                <a:spcPts val="1200"/>
+              </a:spcBef>
+              <a:spcAft>
+                <a:spcPts val="1200"/>
+              </a:spcAft>
+              <a:buNone/>
+            </a:pPr>
+            <a:r>
+              <a:rPr lang="en-GB"/>
+              <a:t>Accessed</a:t>
+            </a:r>
+            <a:r>
+              <a:rPr lang="en-GB"/>
+              <a:t> via </a:t>
+            </a:r>
+            <a:r>
+              <a:rPr lang="en-GB"/>
+              <a:t>selenium</a:t>
+            </a:r>
+            <a:r>
+              <a:rPr lang="en-GB"/>
+              <a:t>, using tags to access table </a:t>
+            </a:r>
+            <a:r>
+              <a:rPr lang="en-GB"/>
+              <a:t>containing</a:t>
+            </a:r>
+            <a:r>
+              <a:rPr lang="en-GB"/>
+              <a:t> links with tag a and href attribute.</a:t>
+            </a:r>
+            <a:endParaRPr/>
+          </a:p>
         </p:txBody>
       </p:sp>
       <p:pic>
         <p:nvPicPr>
-          <p:cNvPr id="292" name="Google Shape;292;p15"/>
+          <p:cNvPr id="301" name="Google Shape;301;p16"/>
           <p:cNvPicPr preferRelativeResize="0"/>
           <p:nvPr/>
         </p:nvPicPr>
@@ -16208,12 +17300,12 @@
 </p:sld>
 </file>
 
-<file path=ppt/slides/slide4.xml><?xml version="1.0" encoding="utf-8"?>
+<file path=ppt/slides/slide5.xml><?xml version="1.0" encoding="utf-8"?>
 <p:sld xmlns:a="http://schemas.openxmlformats.org/drawingml/2006/main" xmlns:r="http://schemas.openxmlformats.org/officeDocument/2006/relationships" xmlns:mc="http://schemas.openxmlformats.org/markup-compatibility/2006" xmlns:mv="urn:schemas-microsoft-com:mac:vml" xmlns:p="http://schemas.openxmlformats.org/presentationml/2006/main" xmlns:c="http://schemas.openxmlformats.org/drawingml/2006/chart" xmlns:dgm="http://schemas.openxmlformats.org/drawingml/2006/diagram" xmlns:o="urn:schemas-microsoft-com:office:office" xmlns:v="urn:schemas-microsoft-com:vml" xmlns:pvml="urn:schemas-microsoft-com:office:powerpoint" xmlns:com="http://schemas.openxmlformats.org/drawingml/2006/compatibility" xmlns:p14="http://schemas.microsoft.com/office/powerpoint/2010/main" xmlns:p15="http://schemas.microsoft.com/office/powerpoint/2012/main" xmlns:ahyp="http://schemas.microsoft.com/office/drawing/2018/hyperlinkcolor">
   <p:cSld>
     <p:spTree>
       <p:nvGrpSpPr>
-        <p:cNvPr id="296" name="Shape 296"/>
+        <p:cNvPr id="305" name="Shape 305"/>
         <p:cNvGrpSpPr/>
         <p:nvPr/>
       </p:nvGrpSpPr>
@@ -16227,7 +17319,7 @@
       </p:grpSpPr>
       <p:sp>
         <p:nvSpPr>
-          <p:cNvPr id="297" name="Google Shape;297;p16"/>
+          <p:cNvPr id="306" name="Google Shape;306;p17"/>
           <p:cNvSpPr txBox="1"/>
           <p:nvPr>
             <p:ph type="title"/>
@@ -16275,7 +17367,7 @@
             </a:pPr>
             <a:r>
               <a:rPr lang="en-GB"/>
-              <a:t>Fight NIght</a:t>
+              <a:t>Fight Night</a:t>
             </a:r>
             <a:endParaRPr/>
           </a:p>
@@ -16298,7 +17390,7 @@
       </p:sp>
       <p:sp>
         <p:nvSpPr>
-          <p:cNvPr id="298" name="Google Shape;298;p16"/>
+          <p:cNvPr id="307" name="Google Shape;307;p17"/>
           <p:cNvSpPr txBox="1"/>
           <p:nvPr>
             <p:ph idx="1" type="body"/>
@@ -16338,7 +17430,7 @@
       </p:sp>
       <p:pic>
         <p:nvPicPr>
-          <p:cNvPr id="299" name="Google Shape;299;p16"/>
+          <p:cNvPr id="308" name="Google Shape;308;p17"/>
           <p:cNvPicPr preferRelativeResize="0"/>
           <p:nvPr/>
         </p:nvPicPr>
@@ -16372,12 +17464,12 @@
 </p:sld>
 </file>
 
-<file path=ppt/slides/slide5.xml><?xml version="1.0" encoding="utf-8"?>
+<file path=ppt/slides/slide6.xml><?xml version="1.0" encoding="utf-8"?>
 <p:sld xmlns:a="http://schemas.openxmlformats.org/drawingml/2006/main" xmlns:r="http://schemas.openxmlformats.org/officeDocument/2006/relationships" xmlns:mc="http://schemas.openxmlformats.org/markup-compatibility/2006" xmlns:mv="urn:schemas-microsoft-com:mac:vml" xmlns:p="http://schemas.openxmlformats.org/presentationml/2006/main" xmlns:c="http://schemas.openxmlformats.org/drawingml/2006/chart" xmlns:dgm="http://schemas.openxmlformats.org/drawingml/2006/diagram" xmlns:o="urn:schemas-microsoft-com:office:office" xmlns:v="urn:schemas-microsoft-com:vml" xmlns:pvml="urn:schemas-microsoft-com:office:powerpoint" xmlns:com="http://schemas.openxmlformats.org/drawingml/2006/compatibility" xmlns:p14="http://schemas.microsoft.com/office/powerpoint/2010/main" xmlns:p15="http://schemas.microsoft.com/office/powerpoint/2012/main" xmlns:ahyp="http://schemas.microsoft.com/office/drawing/2018/hyperlinkcolor">
   <p:cSld>
     <p:spTree>
       <p:nvGrpSpPr>
-        <p:cNvPr id="303" name="Shape 303"/>
+        <p:cNvPr id="312" name="Shape 312"/>
         <p:cNvGrpSpPr/>
         <p:nvPr/>
       </p:nvGrpSpPr>
@@ -16391,7 +17483,7 @@
       </p:grpSpPr>
       <p:sp>
         <p:nvSpPr>
-          <p:cNvPr id="304" name="Google Shape;304;p17"/>
+          <p:cNvPr id="313" name="Google Shape;313;p18"/>
           <p:cNvSpPr txBox="1"/>
           <p:nvPr>
             <p:ph type="title"/>
@@ -16447,7 +17539,7 @@
       </p:sp>
       <p:sp>
         <p:nvSpPr>
-          <p:cNvPr id="305" name="Google Shape;305;p17"/>
+          <p:cNvPr id="314" name="Google Shape;314;p18"/>
           <p:cNvSpPr txBox="1"/>
           <p:nvPr>
             <p:ph idx="1" type="body"/>
@@ -16455,8 +17547,8 @@
         </p:nvSpPr>
         <p:spPr>
           <a:xfrm>
-            <a:off x="1415025" y="4475325"/>
-            <a:ext cx="6621600" cy="318900"/>
+            <a:off x="1350825" y="4182850"/>
+            <a:ext cx="6621600" cy="725400"/>
           </a:xfrm>
           <a:prstGeom prst="rect">
             <a:avLst/>
@@ -16464,7 +17556,7 @@
         </p:spPr>
         <p:txBody>
           <a:bodyPr anchorCtr="0" anchor="t" bIns="91425" lIns="91425" spcFirstLastPara="1" rIns="91425" wrap="square" tIns="91425">
-            <a:normAutofit fontScale="70000" lnSpcReduction="20000"/>
+            <a:normAutofit lnSpcReduction="20000"/>
           </a:bodyPr>
           <a:lstStyle/>
           <a:p>
@@ -16473,7 +17565,7 @@
                 <a:spcPts val="0"/>
               </a:spcBef>
               <a:spcAft>
-                <a:spcPts val="1200"/>
+                <a:spcPts val="0"/>
               </a:spcAft>
               <a:buNone/>
             </a:pPr>
@@ -16487,7 +17579,22 @@
             </a:r>
             <a:r>
               <a:rPr lang="en-GB"/>
-              <a:t> to fighter and type of data</a:t>
+              <a:t> to fighter and type of data.</a:t>
+            </a:r>
+            <a:endParaRPr/>
+          </a:p>
+          <a:p>
+            <a:pPr indent="0" lvl="0" marL="0" rtl="0" algn="l">
+              <a:spcBef>
+                <a:spcPts val="1200"/>
+              </a:spcBef>
+              <a:spcAft>
+                <a:spcPts val="1200"/>
+              </a:spcAft>
+              <a:buNone/>
+            </a:pPr>
+            <a:r>
+              <a:t/>
             </a:r>
             <a:endParaRPr/>
           </a:p>
@@ -16495,7 +17602,7 @@
       </p:sp>
       <p:pic>
         <p:nvPicPr>
-          <p:cNvPr id="306" name="Google Shape;306;p17"/>
+          <p:cNvPr id="315" name="Google Shape;315;p18"/>
           <p:cNvPicPr preferRelativeResize="0"/>
           <p:nvPr/>
         </p:nvPicPr>
@@ -16529,12 +17636,12 @@
 </p:sld>
 </file>
 
-<file path=ppt/slides/slide6.xml><?xml version="1.0" encoding="utf-8"?>
+<file path=ppt/slides/slide7.xml><?xml version="1.0" encoding="utf-8"?>
 <p:sld xmlns:a="http://schemas.openxmlformats.org/drawingml/2006/main" xmlns:r="http://schemas.openxmlformats.org/officeDocument/2006/relationships" xmlns:mc="http://schemas.openxmlformats.org/markup-compatibility/2006" xmlns:mv="urn:schemas-microsoft-com:mac:vml" xmlns:p="http://schemas.openxmlformats.org/presentationml/2006/main" xmlns:c="http://schemas.openxmlformats.org/drawingml/2006/chart" xmlns:dgm="http://schemas.openxmlformats.org/drawingml/2006/diagram" xmlns:o="urn:schemas-microsoft-com:office:office" xmlns:v="urn:schemas-microsoft-com:vml" xmlns:pvml="urn:schemas-microsoft-com:office:powerpoint" xmlns:com="http://schemas.openxmlformats.org/drawingml/2006/compatibility" xmlns:p14="http://schemas.microsoft.com/office/powerpoint/2010/main" xmlns:p15="http://schemas.microsoft.com/office/powerpoint/2012/main" xmlns:ahyp="http://schemas.microsoft.com/office/drawing/2018/hyperlinkcolor">
   <p:cSld>
     <p:spTree>
       <p:nvGrpSpPr>
-        <p:cNvPr id="310" name="Shape 310"/>
+        <p:cNvPr id="319" name="Shape 319"/>
         <p:cNvGrpSpPr/>
         <p:nvPr/>
       </p:nvGrpSpPr>
@@ -16548,7 +17655,7 @@
       </p:grpSpPr>
       <p:sp>
         <p:nvSpPr>
-          <p:cNvPr id="311" name="Google Shape;311;p18"/>
+          <p:cNvPr id="320" name="Google Shape;320;p19"/>
           <p:cNvSpPr txBox="1"/>
           <p:nvPr>
             <p:ph type="title"/>
@@ -16580,6 +17687,214 @@
             </a:pPr>
             <a:r>
               <a:rPr lang="en-GB"/>
+              <a:t>Cleaning process and adding it to AWS RDS</a:t>
+            </a:r>
+            <a:endParaRPr/>
+          </a:p>
+        </p:txBody>
+      </p:sp>
+      <p:sp>
+        <p:nvSpPr>
+          <p:cNvPr id="321" name="Google Shape;321;p19"/>
+          <p:cNvSpPr txBox="1"/>
+          <p:nvPr>
+            <p:ph idx="1" type="body"/>
+          </p:nvPr>
+        </p:nvSpPr>
+        <p:spPr>
+          <a:xfrm>
+            <a:off x="41125" y="1597875"/>
+            <a:ext cx="2634000" cy="3096300"/>
+          </a:xfrm>
+          <a:prstGeom prst="rect">
+            <a:avLst/>
+          </a:prstGeom>
+        </p:spPr>
+        <p:txBody>
+          <a:bodyPr anchorCtr="0" anchor="t" bIns="91425" lIns="91425" spcFirstLastPara="1" rIns="91425" wrap="square" tIns="91425">
+            <a:normAutofit/>
+          </a:bodyPr>
+          <a:lstStyle/>
+          <a:p>
+            <a:pPr indent="-311150" lvl="0" marL="457200" rtl="0" algn="l">
+              <a:spcBef>
+                <a:spcPts val="0"/>
+              </a:spcBef>
+              <a:spcAft>
+                <a:spcPts val="0"/>
+              </a:spcAft>
+              <a:buSzPts val="1300"/>
+              <a:buChar char="●"/>
+            </a:pPr>
+            <a:r>
+              <a:rPr lang="en-GB"/>
+              <a:t>Dataframe was built as the websites </a:t>
+            </a:r>
+            <a:r>
+              <a:rPr lang="en-GB"/>
+              <a:t>containing</a:t>
+            </a:r>
+            <a:r>
+              <a:rPr lang="en-GB"/>
+              <a:t> the fight stats were scraped.</a:t>
+            </a:r>
+            <a:endParaRPr/>
+          </a:p>
+          <a:p>
+            <a:pPr indent="-311150" lvl="0" marL="457200" rtl="0" algn="l">
+              <a:spcBef>
+                <a:spcPts val="0"/>
+              </a:spcBef>
+              <a:spcAft>
+                <a:spcPts val="0"/>
+              </a:spcAft>
+              <a:buSzPts val="1300"/>
+              <a:buChar char="●"/>
+            </a:pPr>
+            <a:r>
+              <a:rPr lang="en-GB"/>
+              <a:t>Checked for unique values, duplicates and errors before storing.</a:t>
+            </a:r>
+            <a:endParaRPr/>
+          </a:p>
+          <a:p>
+            <a:pPr indent="-311150" lvl="0" marL="457200" rtl="0" algn="l">
+              <a:spcBef>
+                <a:spcPts val="0"/>
+              </a:spcBef>
+              <a:spcAft>
+                <a:spcPts val="0"/>
+              </a:spcAft>
+              <a:buSzPts val="1300"/>
+              <a:buChar char="●"/>
+            </a:pPr>
+            <a:r>
+              <a:rPr lang="en-GB"/>
+              <a:t>Once the dataframe was built used pd.to_sql to upload to database</a:t>
+            </a:r>
+            <a:endParaRPr/>
+          </a:p>
+          <a:p>
+            <a:pPr indent="-311150" lvl="0" marL="457200" rtl="0" algn="l">
+              <a:spcBef>
+                <a:spcPts val="0"/>
+              </a:spcBef>
+              <a:spcAft>
+                <a:spcPts val="0"/>
+              </a:spcAft>
+              <a:buSzPts val="1300"/>
+              <a:buChar char="●"/>
+            </a:pPr>
+            <a:r>
+              <a:rPr lang="en-GB"/>
+              <a:t>Try and except.</a:t>
+            </a:r>
+            <a:endParaRPr/>
+          </a:p>
+          <a:p>
+            <a:pPr indent="0" lvl="0" marL="457200" rtl="0" algn="l">
+              <a:spcBef>
+                <a:spcPts val="1200"/>
+              </a:spcBef>
+              <a:spcAft>
+                <a:spcPts val="1200"/>
+              </a:spcAft>
+              <a:buNone/>
+            </a:pPr>
+            <a:r>
+              <a:t/>
+            </a:r>
+            <a:endParaRPr/>
+          </a:p>
+        </p:txBody>
+      </p:sp>
+      <p:pic>
+        <p:nvPicPr>
+          <p:cNvPr id="322" name="Google Shape;322;p19"/>
+          <p:cNvPicPr preferRelativeResize="0"/>
+          <p:nvPr/>
+        </p:nvPicPr>
+        <p:blipFill>
+          <a:blip r:embed="rId3">
+            <a:alphaModFix/>
+          </a:blip>
+          <a:stretch>
+            <a:fillRect/>
+          </a:stretch>
+        </p:blipFill>
+        <p:spPr>
+          <a:xfrm>
+            <a:off x="2718000" y="1597871"/>
+            <a:ext cx="6425999" cy="3049326"/>
+          </a:xfrm>
+          <a:prstGeom prst="rect">
+            <a:avLst/>
+          </a:prstGeom>
+          <a:noFill/>
+          <a:ln>
+            <a:noFill/>
+          </a:ln>
+        </p:spPr>
+      </p:pic>
+    </p:spTree>
+  </p:cSld>
+  <p:clrMapOvr>
+    <a:masterClrMapping/>
+  </p:clrMapOvr>
+</p:sld>
+</file>
+
+<file path=ppt/slides/slide8.xml><?xml version="1.0" encoding="utf-8"?>
+<p:sld xmlns:a="http://schemas.openxmlformats.org/drawingml/2006/main" xmlns:r="http://schemas.openxmlformats.org/officeDocument/2006/relationships" xmlns:mc="http://schemas.openxmlformats.org/markup-compatibility/2006" xmlns:mv="urn:schemas-microsoft-com:mac:vml" xmlns:p="http://schemas.openxmlformats.org/presentationml/2006/main" xmlns:c="http://schemas.openxmlformats.org/drawingml/2006/chart" xmlns:dgm="http://schemas.openxmlformats.org/drawingml/2006/diagram" xmlns:o="urn:schemas-microsoft-com:office:office" xmlns:v="urn:schemas-microsoft-com:vml" xmlns:pvml="urn:schemas-microsoft-com:office:powerpoint" xmlns:com="http://schemas.openxmlformats.org/drawingml/2006/compatibility" xmlns:p14="http://schemas.microsoft.com/office/powerpoint/2010/main" xmlns:p15="http://schemas.microsoft.com/office/powerpoint/2012/main" xmlns:ahyp="http://schemas.microsoft.com/office/drawing/2018/hyperlinkcolor">
+  <p:cSld>
+    <p:spTree>
+      <p:nvGrpSpPr>
+        <p:cNvPr id="326" name="Shape 326"/>
+        <p:cNvGrpSpPr/>
+        <p:nvPr/>
+      </p:nvGrpSpPr>
+      <p:grpSpPr>
+        <a:xfrm>
+          <a:off x="0" y="0"/>
+          <a:ext cx="0" cy="0"/>
+          <a:chOff x="0" y="0"/>
+          <a:chExt cx="0" cy="0"/>
+        </a:xfrm>
+      </p:grpSpPr>
+      <p:sp>
+        <p:nvSpPr>
+          <p:cNvPr id="327" name="Google Shape;327;p20"/>
+          <p:cNvSpPr txBox="1"/>
+          <p:nvPr>
+            <p:ph type="title"/>
+          </p:nvPr>
+        </p:nvSpPr>
+        <p:spPr>
+          <a:xfrm>
+            <a:off x="1303800" y="598575"/>
+            <a:ext cx="7030500" cy="999300"/>
+          </a:xfrm>
+          <a:prstGeom prst="rect">
+            <a:avLst/>
+          </a:prstGeom>
+        </p:spPr>
+        <p:txBody>
+          <a:bodyPr anchorCtr="0" anchor="t" bIns="91425" lIns="91425" spcFirstLastPara="1" rIns="91425" wrap="square" tIns="91425">
+            <a:normAutofit fontScale="90000"/>
+          </a:bodyPr>
+          <a:lstStyle/>
+          <a:p>
+            <a:pPr indent="0" lvl="0" marL="0" rtl="0" algn="l">
+              <a:spcBef>
+                <a:spcPts val="0"/>
+              </a:spcBef>
+              <a:spcAft>
+                <a:spcPts val="0"/>
+              </a:spcAft>
+              <a:buNone/>
+            </a:pPr>
+            <a:r>
+              <a:rPr lang="en-GB"/>
               <a:t>Storage type:</a:t>
             </a:r>
             <a:endParaRPr/>
@@ -16604,7 +17919,7 @@
       </p:sp>
       <p:sp>
         <p:nvSpPr>
-          <p:cNvPr id="312" name="Google Shape;312;p18"/>
+          <p:cNvPr id="328" name="Google Shape;328;p20"/>
           <p:cNvSpPr txBox="1"/>
           <p:nvPr>
             <p:ph idx="1" type="body"/>
@@ -16638,6 +17953,23 @@
             <a:r>
               <a:rPr lang="en-GB"/>
               <a:t>The data was stored in AWS’s RDS with Postgres.</a:t>
+            </a:r>
+            <a:endParaRPr/>
+          </a:p>
+          <a:p>
+            <a:pPr indent="-311150" lvl="0" marL="457200" rtl="0" algn="l">
+              <a:spcBef>
+                <a:spcPts val="0"/>
+              </a:spcBef>
+              <a:spcAft>
+                <a:spcPts val="0"/>
+              </a:spcAft>
+              <a:buSzPts val="1300"/>
+              <a:buChar char="●"/>
+            </a:pPr>
+            <a:r>
+              <a:rPr lang="en-GB"/>
+              <a:t>Python sqlalchemy.</a:t>
             </a:r>
             <a:endParaRPr/>
           </a:p>
@@ -16693,12 +18025,12 @@
 </p:sld>
 </file>
 
-<file path=ppt/slides/slide7.xml><?xml version="1.0" encoding="utf-8"?>
+<file path=ppt/slides/slide9.xml><?xml version="1.0" encoding="utf-8"?>
 <p:sld xmlns:a="http://schemas.openxmlformats.org/drawingml/2006/main" xmlns:r="http://schemas.openxmlformats.org/officeDocument/2006/relationships" xmlns:mc="http://schemas.openxmlformats.org/markup-compatibility/2006" xmlns:mv="urn:schemas-microsoft-com:mac:vml" xmlns:p="http://schemas.openxmlformats.org/presentationml/2006/main" xmlns:c="http://schemas.openxmlformats.org/drawingml/2006/chart" xmlns:dgm="http://schemas.openxmlformats.org/drawingml/2006/diagram" xmlns:o="urn:schemas-microsoft-com:office:office" xmlns:v="urn:schemas-microsoft-com:vml" xmlns:pvml="urn:schemas-microsoft-com:office:powerpoint" xmlns:com="http://schemas.openxmlformats.org/drawingml/2006/compatibility" xmlns:p14="http://schemas.microsoft.com/office/powerpoint/2010/main" xmlns:p15="http://schemas.microsoft.com/office/powerpoint/2012/main" xmlns:ahyp="http://schemas.microsoft.com/office/drawing/2018/hyperlinkcolor">
   <p:cSld>
     <p:spTree>
       <p:nvGrpSpPr>
-        <p:cNvPr id="316" name="Shape 316"/>
+        <p:cNvPr id="332" name="Shape 332"/>
         <p:cNvGrpSpPr/>
         <p:nvPr/>
       </p:nvGrpSpPr>
@@ -16712,153 +18044,7 @@
       </p:grpSpPr>
       <p:sp>
         <p:nvSpPr>
-          <p:cNvPr id="317" name="Google Shape;317;p19"/>
-          <p:cNvSpPr txBox="1"/>
-          <p:nvPr>
-            <p:ph type="title"/>
-          </p:nvPr>
-        </p:nvSpPr>
-        <p:spPr>
-          <a:xfrm>
-            <a:off x="1303800" y="598575"/>
-            <a:ext cx="7030500" cy="999300"/>
-          </a:xfrm>
-          <a:prstGeom prst="rect">
-            <a:avLst/>
-          </a:prstGeom>
-        </p:spPr>
-        <p:txBody>
-          <a:bodyPr anchorCtr="0" anchor="t" bIns="91425" lIns="91425" spcFirstLastPara="1" rIns="91425" wrap="square" tIns="91425">
-            <a:normAutofit/>
-          </a:bodyPr>
-          <a:lstStyle/>
-          <a:p>
-            <a:pPr indent="0" lvl="0" marL="0" rtl="0" algn="l">
-              <a:spcBef>
-                <a:spcPts val="0"/>
-              </a:spcBef>
-              <a:spcAft>
-                <a:spcPts val="0"/>
-              </a:spcAft>
-              <a:buNone/>
-            </a:pPr>
-            <a:r>
-              <a:rPr lang="en-GB"/>
-              <a:t>Cleaning process</a:t>
-            </a:r>
-            <a:endParaRPr/>
-          </a:p>
-        </p:txBody>
-      </p:sp>
-      <p:sp>
-        <p:nvSpPr>
-          <p:cNvPr id="318" name="Google Shape;318;p19"/>
-          <p:cNvSpPr txBox="1"/>
-          <p:nvPr>
-            <p:ph idx="1" type="body"/>
-          </p:nvPr>
-        </p:nvSpPr>
-        <p:spPr>
-          <a:xfrm>
-            <a:off x="1303800" y="1990050"/>
-            <a:ext cx="7030500" cy="2541600"/>
-          </a:xfrm>
-          <a:prstGeom prst="rect">
-            <a:avLst/>
-          </a:prstGeom>
-        </p:spPr>
-        <p:txBody>
-          <a:bodyPr anchorCtr="0" anchor="t" bIns="91425" lIns="91425" spcFirstLastPara="1" rIns="91425" wrap="square" tIns="91425">
-            <a:normAutofit/>
-          </a:bodyPr>
-          <a:lstStyle/>
-          <a:p>
-            <a:pPr indent="-311150" lvl="0" marL="457200" rtl="0" algn="l">
-              <a:spcBef>
-                <a:spcPts val="0"/>
-              </a:spcBef>
-              <a:spcAft>
-                <a:spcPts val="0"/>
-              </a:spcAft>
-              <a:buSzPts val="1300"/>
-              <a:buChar char="●"/>
-            </a:pPr>
-            <a:r>
-              <a:rPr lang="en-GB"/>
-              <a:t>Dataframe was built as the websites </a:t>
-            </a:r>
-            <a:r>
-              <a:rPr lang="en-GB"/>
-              <a:t>containing</a:t>
-            </a:r>
-            <a:r>
-              <a:rPr lang="en-GB"/>
-              <a:t> the fight stats were built.</a:t>
-            </a:r>
-            <a:endParaRPr/>
-          </a:p>
-          <a:p>
-            <a:pPr indent="-311150" lvl="0" marL="457200" rtl="0" algn="l">
-              <a:spcBef>
-                <a:spcPts val="0"/>
-              </a:spcBef>
-              <a:spcAft>
-                <a:spcPts val="0"/>
-              </a:spcAft>
-              <a:buSzPts val="1300"/>
-              <a:buChar char="●"/>
-            </a:pPr>
-            <a:r>
-              <a:rPr lang="en-GB"/>
-              <a:t>Checked for unique values and errors before storing.</a:t>
-            </a:r>
-            <a:endParaRPr/>
-          </a:p>
-          <a:p>
-            <a:pPr indent="0" lvl="0" marL="457200" rtl="0" algn="l">
-              <a:spcBef>
-                <a:spcPts val="1200"/>
-              </a:spcBef>
-              <a:spcAft>
-                <a:spcPts val="1200"/>
-              </a:spcAft>
-              <a:buNone/>
-            </a:pPr>
-            <a:r>
-              <a:t/>
-            </a:r>
-            <a:endParaRPr/>
-          </a:p>
-        </p:txBody>
-      </p:sp>
-    </p:spTree>
-  </p:cSld>
-  <p:clrMapOvr>
-    <a:masterClrMapping/>
-  </p:clrMapOvr>
-</p:sld>
-</file>
-
-<file path=ppt/slides/slide8.xml><?xml version="1.0" encoding="utf-8"?>
-<p:sld xmlns:a="http://schemas.openxmlformats.org/drawingml/2006/main" xmlns:r="http://schemas.openxmlformats.org/officeDocument/2006/relationships" xmlns:mc="http://schemas.openxmlformats.org/markup-compatibility/2006" xmlns:mv="urn:schemas-microsoft-com:mac:vml" xmlns:p="http://schemas.openxmlformats.org/presentationml/2006/main" xmlns:c="http://schemas.openxmlformats.org/drawingml/2006/chart" xmlns:dgm="http://schemas.openxmlformats.org/drawingml/2006/diagram" xmlns:o="urn:schemas-microsoft-com:office:office" xmlns:v="urn:schemas-microsoft-com:vml" xmlns:pvml="urn:schemas-microsoft-com:office:powerpoint" xmlns:com="http://schemas.openxmlformats.org/drawingml/2006/compatibility" xmlns:p14="http://schemas.microsoft.com/office/powerpoint/2010/main" xmlns:p15="http://schemas.microsoft.com/office/powerpoint/2012/main" xmlns:ahyp="http://schemas.microsoft.com/office/drawing/2018/hyperlinkcolor">
-  <p:cSld>
-    <p:spTree>
-      <p:nvGrpSpPr>
-        <p:cNvPr id="322" name="Shape 322"/>
-        <p:cNvGrpSpPr/>
-        <p:nvPr/>
-      </p:nvGrpSpPr>
-      <p:grpSpPr>
-        <a:xfrm>
-          <a:off x="0" y="0"/>
-          <a:ext cx="0" cy="0"/>
-          <a:chOff x="0" y="0"/>
-          <a:chExt cx="0" cy="0"/>
-        </a:xfrm>
-      </p:grpSpPr>
-      <p:sp>
-        <p:nvSpPr>
-          <p:cNvPr id="323" name="Google Shape;323;p20"/>
+          <p:cNvPr id="333" name="Google Shape;333;p21"/>
           <p:cNvSpPr txBox="1"/>
           <p:nvPr>
             <p:ph type="title"/>
@@ -16898,7 +18084,7 @@
       </p:sp>
       <p:sp>
         <p:nvSpPr>
-          <p:cNvPr id="324" name="Google Shape;324;p20"/>
+          <p:cNvPr id="334" name="Google Shape;334;p21"/>
           <p:cNvSpPr txBox="1"/>
           <p:nvPr>
             <p:ph idx="1" type="body"/>
@@ -16906,8 +18092,8 @@
         </p:nvSpPr>
         <p:spPr>
           <a:xfrm>
-            <a:off x="1303800" y="1990050"/>
-            <a:ext cx="7030500" cy="2541600"/>
+            <a:off x="2737700" y="1547750"/>
+            <a:ext cx="6236700" cy="2682600"/>
           </a:xfrm>
           <a:prstGeom prst="rect">
             <a:avLst/>
@@ -16965,6 +18151,23 @@
             </a:pPr>
             <a:r>
               <a:rPr lang="en-GB"/>
+              <a:t>Find the fighter height and weight.</a:t>
+            </a:r>
+            <a:endParaRPr/>
+          </a:p>
+          <a:p>
+            <a:pPr indent="-311150" lvl="0" marL="457200" rtl="0" algn="l">
+              <a:spcBef>
+                <a:spcPts val="0"/>
+              </a:spcBef>
+              <a:spcAft>
+                <a:spcPts val="0"/>
+              </a:spcAft>
+              <a:buSzPts val="1300"/>
+              <a:buAutoNum type="arabicPeriod"/>
+            </a:pPr>
+            <a:r>
+              <a:rPr lang="en-GB"/>
               <a:t>Then do the same for grappling stats.</a:t>
             </a:r>
             <a:endParaRPr/>
@@ -16999,12 +18202,65 @@
             </a:pPr>
             <a:r>
               <a:rPr lang="en-GB"/>
-              <a:t>What is better more grappling or striking. Which method of grappling and striking is best?</a:t>
+              <a:t>What is better? More grappling or striking. Which method of grappling and striking is best?</a:t>
+            </a:r>
+            <a:endParaRPr/>
+          </a:p>
+          <a:p>
+            <a:pPr indent="-311150" lvl="0" marL="457200" rtl="0" algn="l">
+              <a:spcBef>
+                <a:spcPts val="0"/>
+              </a:spcBef>
+              <a:spcAft>
+                <a:spcPts val="0"/>
+              </a:spcAft>
+              <a:buSzPts val="1300"/>
+              <a:buAutoNum type="arabicPeriod"/>
+            </a:pPr>
+            <a:r>
+              <a:rPr lang="en-GB"/>
+              <a:t>Predict the result of fights that never </a:t>
+            </a:r>
+            <a:r>
+              <a:rPr lang="en-GB"/>
+              <a:t>happened?</a:t>
+            </a:r>
+            <a:r>
+              <a:rPr lang="en-GB"/>
+              <a:t>!</a:t>
             </a:r>
             <a:endParaRPr/>
           </a:p>
         </p:txBody>
       </p:sp>
+      <p:pic>
+        <p:nvPicPr>
+          <p:cNvPr id="335" name="Google Shape;335;p21"/>
+          <p:cNvPicPr preferRelativeResize="0"/>
+          <p:nvPr/>
+        </p:nvPicPr>
+        <p:blipFill>
+          <a:blip r:embed="rId3">
+            <a:alphaModFix/>
+          </a:blip>
+          <a:stretch>
+            <a:fillRect/>
+          </a:stretch>
+        </p:blipFill>
+        <p:spPr>
+          <a:xfrm>
+            <a:off x="268400" y="1547750"/>
+            <a:ext cx="1967450" cy="2255675"/>
+          </a:xfrm>
+          <a:prstGeom prst="rect">
+            <a:avLst/>
+          </a:prstGeom>
+          <a:noFill/>
+          <a:ln>
+            <a:noFill/>
+          </a:ln>
+        </p:spPr>
+      </p:pic>
     </p:spTree>
   </p:cSld>
   <p:clrMapOvr>
